--- a/Rendu final/Presentation.pptx
+++ b/Rendu final/Presentation.pptx
@@ -503,7 +503,7 @@
             <a:avLst/>
           </a:prstGeom>
           <a:blipFill>
-            <a:blip r:embed="rId2">
+            <a:blip r:embed="rId2" cstate="print">
               <a:alphaModFix amt="43000"/>
             </a:blip>
             <a:tile tx="0" ty="0" sx="50000" sy="50000" flip="none" algn="tl"/>
@@ -3307,7 +3307,7 @@
             <a:avLst/>
           </a:prstGeom>
           <a:blipFill>
-            <a:blip r:embed="rId13">
+            <a:blip r:embed="rId13" cstate="print">
               <a:alphaModFix amt="43000"/>
             </a:blip>
             <a:tile tx="0" ty="0" sx="50000" sy="50000" flip="none" algn="tl"/>
@@ -4190,13 +4190,7 @@
               <a:rPr lang="fr-FR" sz="1400" b="1" dirty="0" smtClean="0">
                 <a:cs typeface="Tahoma" pitchFamily="34" charset="0"/>
               </a:rPr>
-              <a:t>		Année </a:t>
-            </a:r>
-            <a:r>
-              <a:rPr lang="fr-FR" sz="1400" b="1" dirty="0" smtClean="0">
-                <a:cs typeface="Tahoma" pitchFamily="34" charset="0"/>
-              </a:rPr>
-              <a:t>univers</a:t>
+              <a:t>		Année univers</a:t>
             </a:r>
             <a:r>
               <a:rPr lang="fr-FR" sz="1400" dirty="0" smtClean="0">
@@ -4278,7 +4272,7 @@
         <p:spPr bwMode="auto">
           <a:xfrm>
             <a:off x="0" y="5949280"/>
-            <a:ext cx="2448272" cy="908720"/>
+            <a:ext cx="2699792" cy="908720"/>
           </a:xfrm>
           <a:prstGeom prst="rect">
             <a:avLst/>
@@ -4384,11 +4378,67 @@
           </a:p>
         </p:txBody>
       </p:sp>
+      <p:sp>
+        <p:nvSpPr>
+          <p:cNvPr id="5" name="Line 12"/>
+          <p:cNvSpPr>
+            <a:spLocks noChangeShapeType="1"/>
+          </p:cNvSpPr>
+          <p:nvPr/>
+        </p:nvSpPr>
+        <p:spPr bwMode="auto">
+          <a:xfrm>
+            <a:off x="0" y="764704"/>
+            <a:ext cx="9144000" cy="0"/>
+          </a:xfrm>
+          <a:prstGeom prst="line">
+            <a:avLst/>
+          </a:prstGeom>
+          <a:ln>
+            <a:solidFill>
+              <a:schemeClr val="tx2">
+                <a:lumMod val="20000"/>
+                <a:lumOff val="80000"/>
+              </a:schemeClr>
+            </a:solidFill>
+            <a:headEnd/>
+            <a:tailEnd/>
+          </a:ln>
+        </p:spPr>
+        <p:style>
+          <a:lnRef idx="2">
+            <a:schemeClr val="accent6"/>
+          </a:lnRef>
+          <a:fillRef idx="0">
+            <a:schemeClr val="accent6"/>
+          </a:fillRef>
+          <a:effectRef idx="1">
+            <a:schemeClr val="accent6"/>
+          </a:effectRef>
+          <a:fontRef idx="minor">
+            <a:schemeClr val="tx1"/>
+          </a:fontRef>
+        </p:style>
+        <p:txBody>
+          <a:bodyPr/>
+          <a:lstStyle/>
+          <a:p>
+            <a:endParaRPr lang="fr-FR"/>
+          </a:p>
+        </p:txBody>
+      </p:sp>
     </p:spTree>
   </p:cSld>
   <p:clrMapOvr>
     <a:masterClrMapping/>
   </p:clrMapOvr>
+  <p:timing>
+    <p:tnLst>
+      <p:par>
+        <p:cTn id="1" dur="indefinite" restart="never" nodeType="tmRoot"/>
+      </p:par>
+    </p:tnLst>
+  </p:timing>
 </p:sld>
 </file>
 
@@ -4419,17 +4469,30 @@
             <p:ph type="sldNum" sz="quarter" idx="12"/>
           </p:nvPr>
         </p:nvSpPr>
-        <p:spPr/>
+        <p:spPr>
+          <a:xfrm>
+            <a:off x="8448160" y="6512768"/>
+            <a:ext cx="588336" cy="228600"/>
+          </a:xfrm>
+        </p:spPr>
         <p:txBody>
           <a:bodyPr/>
           <a:lstStyle/>
           <a:p>
             <a:fld id="{CF4668DC-857F-487D-BFFA-8C0CA5037977}" type="slidenum">
-              <a:rPr lang="fr-BE" smtClean="0"/>
+              <a:rPr lang="fr-BE" sz="2800" smtClean="0">
+                <a:solidFill>
+                  <a:schemeClr val="bg1"/>
+                </a:solidFill>
+              </a:rPr>
               <a:pPr/>
               <a:t>3</a:t>
             </a:fld>
-            <a:endParaRPr lang="fr-BE"/>
+            <a:endParaRPr lang="fr-BE" sz="2800" dirty="0">
+              <a:solidFill>
+                <a:schemeClr val="bg1"/>
+              </a:solidFill>
+            </a:endParaRPr>
           </a:p>
         </p:txBody>
       </p:sp>
@@ -4469,11 +4532,67 @@
           </a:p>
         </p:txBody>
       </p:sp>
+      <p:sp>
+        <p:nvSpPr>
+          <p:cNvPr id="4" name="Line 12"/>
+          <p:cNvSpPr>
+            <a:spLocks noChangeShapeType="1"/>
+          </p:cNvSpPr>
+          <p:nvPr/>
+        </p:nvSpPr>
+        <p:spPr bwMode="auto">
+          <a:xfrm>
+            <a:off x="0" y="764704"/>
+            <a:ext cx="9144000" cy="0"/>
+          </a:xfrm>
+          <a:prstGeom prst="line">
+            <a:avLst/>
+          </a:prstGeom>
+          <a:ln>
+            <a:solidFill>
+              <a:schemeClr val="tx2">
+                <a:lumMod val="20000"/>
+                <a:lumOff val="80000"/>
+              </a:schemeClr>
+            </a:solidFill>
+            <a:headEnd/>
+            <a:tailEnd/>
+          </a:ln>
+        </p:spPr>
+        <p:style>
+          <a:lnRef idx="2">
+            <a:schemeClr val="accent6"/>
+          </a:lnRef>
+          <a:fillRef idx="0">
+            <a:schemeClr val="accent6"/>
+          </a:fillRef>
+          <a:effectRef idx="1">
+            <a:schemeClr val="accent6"/>
+          </a:effectRef>
+          <a:fontRef idx="minor">
+            <a:schemeClr val="tx1"/>
+          </a:fontRef>
+        </p:style>
+        <p:txBody>
+          <a:bodyPr/>
+          <a:lstStyle/>
+          <a:p>
+            <a:endParaRPr lang="fr-FR"/>
+          </a:p>
+        </p:txBody>
+      </p:sp>
     </p:spTree>
   </p:cSld>
   <p:clrMapOvr>
     <a:masterClrMapping/>
   </p:clrMapOvr>
+  <p:timing>
+    <p:tnLst>
+      <p:par>
+        <p:cTn id="1" dur="indefinite" restart="never" nodeType="tmRoot"/>
+      </p:par>
+    </p:tnLst>
+  </p:timing>
 </p:sld>
 </file>
 
@@ -4554,11 +4673,67 @@
           </a:p>
         </p:txBody>
       </p:sp>
+      <p:sp>
+        <p:nvSpPr>
+          <p:cNvPr id="4" name="Line 12"/>
+          <p:cNvSpPr>
+            <a:spLocks noChangeShapeType="1"/>
+          </p:cNvSpPr>
+          <p:nvPr/>
+        </p:nvSpPr>
+        <p:spPr bwMode="auto">
+          <a:xfrm>
+            <a:off x="0" y="764704"/>
+            <a:ext cx="9144000" cy="0"/>
+          </a:xfrm>
+          <a:prstGeom prst="line">
+            <a:avLst/>
+          </a:prstGeom>
+          <a:ln>
+            <a:solidFill>
+              <a:schemeClr val="tx2">
+                <a:lumMod val="20000"/>
+                <a:lumOff val="80000"/>
+              </a:schemeClr>
+            </a:solidFill>
+            <a:headEnd/>
+            <a:tailEnd/>
+          </a:ln>
+        </p:spPr>
+        <p:style>
+          <a:lnRef idx="2">
+            <a:schemeClr val="accent6"/>
+          </a:lnRef>
+          <a:fillRef idx="0">
+            <a:schemeClr val="accent6"/>
+          </a:fillRef>
+          <a:effectRef idx="1">
+            <a:schemeClr val="accent6"/>
+          </a:effectRef>
+          <a:fontRef idx="minor">
+            <a:schemeClr val="tx1"/>
+          </a:fontRef>
+        </p:style>
+        <p:txBody>
+          <a:bodyPr/>
+          <a:lstStyle/>
+          <a:p>
+            <a:endParaRPr lang="fr-FR"/>
+          </a:p>
+        </p:txBody>
+      </p:sp>
     </p:spTree>
   </p:cSld>
   <p:clrMapOvr>
     <a:masterClrMapping/>
   </p:clrMapOvr>
+  <p:timing>
+    <p:tnLst>
+      <p:par>
+        <p:cTn id="1" dur="indefinite" restart="never" nodeType="tmRoot"/>
+      </p:par>
+    </p:tnLst>
+  </p:timing>
 </p:sld>
 </file>
 
@@ -4603,11 +4778,67 @@
           </a:p>
         </p:txBody>
       </p:sp>
+      <p:sp>
+        <p:nvSpPr>
+          <p:cNvPr id="4" name="Line 12"/>
+          <p:cNvSpPr>
+            <a:spLocks noChangeShapeType="1"/>
+          </p:cNvSpPr>
+          <p:nvPr/>
+        </p:nvSpPr>
+        <p:spPr bwMode="auto">
+          <a:xfrm>
+            <a:off x="0" y="764704"/>
+            <a:ext cx="9144000" cy="0"/>
+          </a:xfrm>
+          <a:prstGeom prst="line">
+            <a:avLst/>
+          </a:prstGeom>
+          <a:ln>
+            <a:solidFill>
+              <a:schemeClr val="tx2">
+                <a:lumMod val="20000"/>
+                <a:lumOff val="80000"/>
+              </a:schemeClr>
+            </a:solidFill>
+            <a:headEnd/>
+            <a:tailEnd/>
+          </a:ln>
+        </p:spPr>
+        <p:style>
+          <a:lnRef idx="2">
+            <a:schemeClr val="accent6"/>
+          </a:lnRef>
+          <a:fillRef idx="0">
+            <a:schemeClr val="accent6"/>
+          </a:fillRef>
+          <a:effectRef idx="1">
+            <a:schemeClr val="accent6"/>
+          </a:effectRef>
+          <a:fontRef idx="minor">
+            <a:schemeClr val="tx1"/>
+          </a:fontRef>
+        </p:style>
+        <p:txBody>
+          <a:bodyPr/>
+          <a:lstStyle/>
+          <a:p>
+            <a:endParaRPr lang="fr-FR"/>
+          </a:p>
+        </p:txBody>
+      </p:sp>
     </p:spTree>
   </p:cSld>
   <p:clrMapOvr>
     <a:masterClrMapping/>
   </p:clrMapOvr>
+  <p:timing>
+    <p:tnLst>
+      <p:par>
+        <p:cTn id="1" dur="indefinite" restart="never" nodeType="tmRoot"/>
+      </p:par>
+    </p:tnLst>
+  </p:timing>
 </p:sld>
 </file>
 
@@ -4818,6 +5049,55 @@
               <a:t>7</a:t>
             </a:fld>
             <a:endParaRPr lang="fr-BE"/>
+          </a:p>
+        </p:txBody>
+      </p:sp>
+      <p:sp>
+        <p:nvSpPr>
+          <p:cNvPr id="4" name="Line 12"/>
+          <p:cNvSpPr>
+            <a:spLocks noChangeShapeType="1"/>
+          </p:cNvSpPr>
+          <p:nvPr/>
+        </p:nvSpPr>
+        <p:spPr bwMode="auto">
+          <a:xfrm>
+            <a:off x="0" y="764704"/>
+            <a:ext cx="9144000" cy="0"/>
+          </a:xfrm>
+          <a:prstGeom prst="line">
+            <a:avLst/>
+          </a:prstGeom>
+          <a:ln>
+            <a:solidFill>
+              <a:schemeClr val="tx2">
+                <a:lumMod val="20000"/>
+                <a:lumOff val="80000"/>
+              </a:schemeClr>
+            </a:solidFill>
+            <a:headEnd/>
+            <a:tailEnd/>
+          </a:ln>
+        </p:spPr>
+        <p:style>
+          <a:lnRef idx="2">
+            <a:schemeClr val="accent6"/>
+          </a:lnRef>
+          <a:fillRef idx="0">
+            <a:schemeClr val="accent6"/>
+          </a:fillRef>
+          <a:effectRef idx="1">
+            <a:schemeClr val="accent6"/>
+          </a:effectRef>
+          <a:fontRef idx="minor">
+            <a:schemeClr val="tx1"/>
+          </a:fontRef>
+        </p:style>
+        <p:txBody>
+          <a:bodyPr/>
+          <a:lstStyle/>
+          <a:p>
+            <a:endParaRPr lang="fr-FR"/>
           </a:p>
         </p:txBody>
       </p:sp>

--- a/Rendu final/Presentation.pptx
+++ b/Rendu final/Presentation.pptx
@@ -5,17 +5,19 @@
     <p:sldMasterId id="2147483672" r:id="rId1"/>
   </p:sldMasterIdLst>
   <p:notesMasterIdLst>
-    <p:notesMasterId r:id="rId10"/>
+    <p:notesMasterId r:id="rId12"/>
   </p:notesMasterIdLst>
   <p:sldIdLst>
     <p:sldId id="256" r:id="rId2"/>
     <p:sldId id="257" r:id="rId3"/>
     <p:sldId id="258" r:id="rId4"/>
-    <p:sldId id="259" r:id="rId5"/>
-    <p:sldId id="260" r:id="rId6"/>
-    <p:sldId id="261" r:id="rId7"/>
-    <p:sldId id="262" r:id="rId8"/>
-    <p:sldId id="263" r:id="rId9"/>
+    <p:sldId id="265" r:id="rId5"/>
+    <p:sldId id="259" r:id="rId6"/>
+    <p:sldId id="260" r:id="rId7"/>
+    <p:sldId id="264" r:id="rId8"/>
+    <p:sldId id="266" r:id="rId9"/>
+    <p:sldId id="261" r:id="rId10"/>
+    <p:sldId id="263" r:id="rId11"/>
   </p:sldIdLst>
   <p:sldSz cx="9144000" cy="6858000" type="screen4x3"/>
   <p:notesSz cx="6858000" cy="9144000"/>
@@ -4301,6 +4303,88 @@
 </p:sld>
 </file>
 
+<file path=ppt/slides/slide10.xml><?xml version="1.0" encoding="utf-8"?>
+<p:sld xmlns:a="http://schemas.openxmlformats.org/drawingml/2006/main" xmlns:r="http://schemas.openxmlformats.org/officeDocument/2006/relationships" xmlns:p="http://schemas.openxmlformats.org/presentationml/2006/main">
+  <p:cSld>
+    <p:spTree>
+      <p:nvGrpSpPr>
+        <p:cNvPr id="1" name=""/>
+        <p:cNvGrpSpPr/>
+        <p:nvPr/>
+      </p:nvGrpSpPr>
+      <p:grpSpPr>
+        <a:xfrm>
+          <a:off x="0" y="0"/>
+          <a:ext cx="0" cy="0"/>
+          <a:chOff x="0" y="0"/>
+          <a:chExt cx="0" cy="0"/>
+        </a:xfrm>
+      </p:grpSpPr>
+      <p:sp>
+        <p:nvSpPr>
+          <p:cNvPr id="3" name="Espace réservé du numéro de diapositive 3"/>
+          <p:cNvSpPr>
+            <a:spLocks noGrp="1"/>
+          </p:cNvSpPr>
+          <p:nvPr>
+            <p:ph type="sldNum" sz="quarter" idx="12"/>
+          </p:nvPr>
+        </p:nvSpPr>
+        <p:spPr/>
+        <p:txBody>
+          <a:bodyPr/>
+          <a:lstStyle/>
+          <a:p>
+            <a:fld id="{CF4668DC-857F-487D-BFFA-8C0CA5037977}" type="slidenum">
+              <a:rPr lang="fr-BE" smtClean="0"/>
+              <a:pPr/>
+              <a:t>10</a:t>
+            </a:fld>
+            <a:endParaRPr lang="fr-BE"/>
+          </a:p>
+        </p:txBody>
+      </p:sp>
+      <p:pic>
+        <p:nvPicPr>
+          <p:cNvPr id="20482" name="Picture 2" descr="C:\Users\BENATH~1\AppData\Local\Temp\SNAGHTML7b1e6a.PNG"/>
+          <p:cNvPicPr>
+            <a:picLocks noChangeAspect="1" noChangeArrowheads="1"/>
+          </p:cNvPicPr>
+          <p:nvPr/>
+        </p:nvPicPr>
+        <p:blipFill>
+          <a:blip r:embed="rId2" cstate="print"/>
+          <a:srcRect/>
+          <a:stretch>
+            <a:fillRect/>
+          </a:stretch>
+        </p:blipFill>
+        <p:spPr bwMode="auto">
+          <a:xfrm>
+            <a:off x="899592" y="1196752"/>
+            <a:ext cx="6715125" cy="4876801"/>
+          </a:xfrm>
+          <a:prstGeom prst="rect">
+            <a:avLst/>
+          </a:prstGeom>
+          <a:noFill/>
+        </p:spPr>
+      </p:pic>
+    </p:spTree>
+  </p:cSld>
+  <p:clrMapOvr>
+    <a:masterClrMapping/>
+  </p:clrMapOvr>
+  <p:timing>
+    <p:tnLst>
+      <p:par>
+        <p:cTn id="1" dur="indefinite" restart="never" nodeType="tmRoot"/>
+      </p:par>
+    </p:tnLst>
+  </p:timing>
+</p:sld>
+</file>
+
 <file path=ppt/slides/slide2.xml><?xml version="1.0" encoding="utf-8"?>
 <p:sld xmlns:a="http://schemas.openxmlformats.org/drawingml/2006/main" xmlns:r="http://schemas.openxmlformats.org/officeDocument/2006/relationships" xmlns:p="http://schemas.openxmlformats.org/presentationml/2006/main">
   <p:cSld>
@@ -4318,6 +4402,86 @@
           <a:chExt cx="0" cy="0"/>
         </a:xfrm>
       </p:grpSpPr>
+      <p:sp>
+        <p:nvSpPr>
+          <p:cNvPr id="8" name="Espace réservé du contenu 7"/>
+          <p:cNvSpPr>
+            <a:spLocks noGrp="1"/>
+          </p:cNvSpPr>
+          <p:nvPr>
+            <p:ph idx="1"/>
+          </p:nvPr>
+        </p:nvSpPr>
+        <p:spPr/>
+        <p:txBody>
+          <a:bodyPr>
+            <a:normAutofit/>
+          </a:bodyPr>
+          <a:lstStyle/>
+          <a:p>
+            <a:r>
+              <a:rPr lang="fr-FR" dirty="0" smtClean="0"/>
+              <a:t>Dans le cadre du mini projet </a:t>
+            </a:r>
+            <a:r>
+              <a:rPr lang="fr-FR" dirty="0" smtClean="0"/>
+              <a:t>Module Web sémantique </a:t>
+            </a:r>
+          </a:p>
+          <a:p>
+            <a:endParaRPr lang="fr-FR" dirty="0" smtClean="0"/>
+          </a:p>
+          <a:p>
+            <a:r>
+              <a:rPr lang="fr-FR" dirty="0" smtClean="0"/>
+              <a:t>Le </a:t>
+            </a:r>
+            <a:r>
+              <a:rPr lang="fr-FR" dirty="0" smtClean="0"/>
+              <a:t>sujet est intitulé : “</a:t>
+            </a:r>
+            <a:r>
+              <a:rPr lang="fr-FR" b="1" dirty="0" smtClean="0"/>
+              <a:t>Guide de Voyage touristique</a:t>
+            </a:r>
+            <a:r>
+              <a:rPr lang="fr-FR" dirty="0" smtClean="0"/>
+              <a:t>”</a:t>
+            </a:r>
+          </a:p>
+          <a:p>
+            <a:endParaRPr lang="fr-FR" dirty="0" smtClean="0"/>
+          </a:p>
+          <a:p>
+            <a:r>
+              <a:rPr lang="fr-FR" dirty="0" smtClean="0"/>
+              <a:t>Les </a:t>
+            </a:r>
+            <a:r>
+              <a:rPr lang="fr-FR" dirty="0" smtClean="0"/>
+              <a:t>standards du web : HTML, </a:t>
+            </a:r>
+            <a:r>
+              <a:rPr lang="fr-FR" dirty="0" smtClean="0"/>
+              <a:t>CSS</a:t>
+            </a:r>
+          </a:p>
+          <a:p>
+            <a:r>
+              <a:rPr lang="fr-FR" dirty="0" smtClean="0"/>
+              <a:t>Les </a:t>
+            </a:r>
+            <a:r>
+              <a:rPr lang="fr-FR" dirty="0" smtClean="0"/>
+              <a:t>standards du web sémantique : RDF, SPARQL, SKOS et OWL</a:t>
+            </a:r>
+            <a:r>
+              <a:rPr lang="fr-FR" dirty="0" smtClean="0"/>
+              <a:t>.</a:t>
+            </a:r>
+          </a:p>
+        </p:txBody>
+      </p:sp>
       <p:sp>
         <p:nvSpPr>
           <p:cNvPr id="4" name="Espace réservé du numéro de diapositive 3"/>
@@ -4461,20 +4625,176 @@
       </p:grpSpPr>
       <p:sp>
         <p:nvSpPr>
-          <p:cNvPr id="6" name="Espace réservé du numéro de diapositive 3"/>
-          <p:cNvSpPr>
-            <a:spLocks noGrp="1"/>
-          </p:cNvSpPr>
-          <p:nvPr>
-            <p:ph type="sldNum" sz="quarter" idx="12"/>
+          <p:cNvPr id="8" name="Espace réservé du contenu 7"/>
+          <p:cNvSpPr>
+            <a:spLocks noGrp="1"/>
+          </p:cNvSpPr>
+          <p:nvPr>
+            <p:ph idx="1"/>
           </p:nvPr>
         </p:nvSpPr>
         <p:spPr>
           <a:xfrm>
-            <a:off x="8448160" y="6512768"/>
-            <a:ext cx="588336" cy="228600"/>
+            <a:off x="457200" y="1071546"/>
+            <a:ext cx="7239000" cy="5384190"/>
           </a:xfrm>
         </p:spPr>
+        <p:txBody>
+          <a:bodyPr>
+            <a:normAutofit lnSpcReduction="10000"/>
+          </a:bodyPr>
+          <a:lstStyle/>
+          <a:p>
+            <a:r>
+              <a:rPr lang="fr-FR" dirty="0" smtClean="0"/>
+              <a:t>Notre application</a:t>
+            </a:r>
+            <a:r>
+              <a:rPr lang="fr-FR" dirty="0" smtClean="0"/>
+              <a:t>:</a:t>
+            </a:r>
+          </a:p>
+          <a:p>
+            <a:pPr lvl="1"/>
+            <a:r>
+              <a:rPr lang="fr-FR" dirty="0" smtClean="0"/>
+              <a:t>Répond aux attentes des voyageurs.</a:t>
+            </a:r>
+          </a:p>
+          <a:p>
+            <a:pPr lvl="1"/>
+            <a:r>
+              <a:rPr lang="fr-FR" dirty="0" smtClean="0"/>
+              <a:t>Descriptions de villes, la liste des monuments, hôtels, et restaurants. </a:t>
+            </a:r>
+          </a:p>
+          <a:p>
+            <a:pPr lvl="1"/>
+            <a:r>
+              <a:rPr lang="fr-FR" dirty="0" smtClean="0"/>
+              <a:t>Un système de recommandation suggérant la liste des endroits à visiter et à ne pas manquer. </a:t>
+            </a:r>
+          </a:p>
+          <a:p>
+            <a:pPr lvl="1"/>
+            <a:r>
+              <a:rPr lang="fr-FR" dirty="0" smtClean="0"/>
+              <a:t>Requêter </a:t>
+            </a:r>
+            <a:r>
+              <a:rPr lang="fr-FR" dirty="0" err="1" smtClean="0"/>
+              <a:t>DBpedia</a:t>
+            </a:r>
+            <a:r>
+              <a:rPr lang="fr-FR" dirty="0" smtClean="0"/>
+              <a:t> En temps réel.</a:t>
+            </a:r>
+          </a:p>
+          <a:p>
+            <a:endParaRPr lang="fr-FR" dirty="0" smtClean="0"/>
+          </a:p>
+          <a:p>
+            <a:pPr marL="274320" lvl="1" indent="-274320">
+              <a:spcBef>
+                <a:spcPts val="600"/>
+              </a:spcBef>
+              <a:buClr>
+                <a:schemeClr val="tx2"/>
+              </a:buClr>
+              <a:buSzPct val="73000"/>
+              <a:buFont typeface="Wingdings 2"/>
+              <a:buChar char=""/>
+            </a:pPr>
+            <a:r>
+              <a:rPr lang="fr-FR" sz="2600" dirty="0" smtClean="0">
+                <a:solidFill>
+                  <a:schemeClr val="tx1"/>
+                </a:solidFill>
+              </a:rPr>
+              <a:t>Standards </a:t>
+            </a:r>
+            <a:r>
+              <a:rPr lang="fr-FR" sz="2600" dirty="0" smtClean="0">
+                <a:solidFill>
+                  <a:schemeClr val="tx1"/>
+                </a:solidFill>
+              </a:rPr>
+              <a:t>Utilisés: </a:t>
+            </a:r>
+            <a:endParaRPr lang="fr-FR" sz="2600" dirty="0" smtClean="0">
+              <a:solidFill>
+                <a:schemeClr val="tx1"/>
+              </a:solidFill>
+            </a:endParaRPr>
+          </a:p>
+          <a:p>
+            <a:pPr lvl="1"/>
+            <a:r>
+              <a:rPr lang="fr-FR" dirty="0" err="1" smtClean="0"/>
+              <a:t>Owl</a:t>
+            </a:r>
+            <a:r>
+              <a:rPr lang="fr-FR" dirty="0" smtClean="0"/>
+              <a:t> pour ontologie</a:t>
+            </a:r>
+          </a:p>
+          <a:p>
+            <a:pPr lvl="1"/>
+            <a:r>
+              <a:rPr lang="fr-FR" dirty="0" err="1" smtClean="0"/>
+              <a:t>Skos</a:t>
+            </a:r>
+            <a:r>
+              <a:rPr lang="fr-FR" dirty="0" smtClean="0"/>
+              <a:t> pour la documentation </a:t>
+            </a:r>
+          </a:p>
+          <a:p>
+            <a:pPr lvl="1"/>
+            <a:r>
+              <a:rPr lang="fr-FR" dirty="0" smtClean="0"/>
+              <a:t>RDF format N triple</a:t>
+            </a:r>
+          </a:p>
+          <a:p>
+            <a:pPr lvl="1"/>
+            <a:r>
+              <a:rPr lang="fr-FR" dirty="0" err="1" smtClean="0"/>
+              <a:t>Régles</a:t>
+            </a:r>
+            <a:r>
+              <a:rPr lang="fr-FR" dirty="0" smtClean="0"/>
+              <a:t> d’inférences</a:t>
+            </a:r>
+          </a:p>
+          <a:p>
+            <a:pPr lvl="1">
+              <a:buNone/>
+            </a:pPr>
+            <a:endParaRPr lang="fr-FR" dirty="0" smtClean="0"/>
+          </a:p>
+          <a:p>
+            <a:pPr lvl="1">
+              <a:buNone/>
+            </a:pPr>
+            <a:endParaRPr lang="en-US" dirty="0" smtClean="0"/>
+          </a:p>
+          <a:p>
+            <a:endParaRPr lang="en-US" dirty="0"/>
+          </a:p>
+        </p:txBody>
+      </p:sp>
+      <p:sp>
+        <p:nvSpPr>
+          <p:cNvPr id="6" name="Espace réservé du numéro de diapositive 3"/>
+          <p:cNvSpPr>
+            <a:spLocks noGrp="1"/>
+          </p:cNvSpPr>
+          <p:nvPr>
+            <p:ph type="sldNum" sz="quarter" idx="12"/>
+          </p:nvPr>
+        </p:nvSpPr>
+        <p:spPr/>
         <p:txBody>
           <a:bodyPr/>
           <a:lstStyle/>
@@ -4615,6 +4935,460 @@
       </p:grpSpPr>
       <p:sp>
         <p:nvSpPr>
+          <p:cNvPr id="4" name="Rectangle 3"/>
+          <p:cNvSpPr/>
+          <p:nvPr/>
+        </p:nvSpPr>
+        <p:spPr>
+          <a:xfrm>
+            <a:off x="-36512" y="116632"/>
+            <a:ext cx="9180512" cy="830997"/>
+          </a:xfrm>
+          <a:prstGeom prst="rect">
+            <a:avLst/>
+          </a:prstGeom>
+        </p:spPr>
+        <p:txBody>
+          <a:bodyPr wrap="square">
+            <a:spAutoFit/>
+          </a:bodyPr>
+          <a:lstStyle/>
+          <a:p>
+            <a:pPr algn="ctr"/>
+            <a:r>
+              <a:rPr lang="fr-FR" sz="2400" b="1" cap="small" dirty="0" smtClean="0">
+                <a:solidFill>
+                  <a:srgbClr val="92D050"/>
+                </a:solidFill>
+                <a:latin typeface="+mj-lt"/>
+                <a:ea typeface="+mj-ea"/>
+                <a:cs typeface="+mj-cs"/>
+              </a:rPr>
+              <a:t>Ontologie </a:t>
+            </a:r>
+            <a:endParaRPr lang="fr-FR" sz="2400" b="1" cap="small" dirty="0" smtClean="0">
+              <a:solidFill>
+                <a:srgbClr val="92D050"/>
+              </a:solidFill>
+              <a:latin typeface="+mj-lt"/>
+              <a:ea typeface="+mj-ea"/>
+              <a:cs typeface="+mj-cs"/>
+            </a:endParaRPr>
+          </a:p>
+          <a:p>
+            <a:pPr algn="ctr"/>
+            <a:r>
+              <a:rPr lang="fr-FR" sz="2400" b="1" cap="small" dirty="0" smtClean="0">
+                <a:solidFill>
+                  <a:srgbClr val="92D050"/>
+                </a:solidFill>
+                <a:latin typeface="+mj-lt"/>
+                <a:ea typeface="+mj-ea"/>
+                <a:cs typeface="+mj-cs"/>
+              </a:rPr>
+              <a:t>tourisme</a:t>
+            </a:r>
+            <a:r>
+              <a:rPr lang="fr-FR" sz="2400" b="1" cap="small" dirty="0" smtClean="0">
+                <a:solidFill>
+                  <a:srgbClr val="92D050"/>
+                </a:solidFill>
+                <a:latin typeface="+mj-lt"/>
+                <a:ea typeface="+mj-ea"/>
+                <a:cs typeface="+mj-cs"/>
+              </a:rPr>
+              <a:t>: </a:t>
+            </a:r>
+            <a:r>
+              <a:rPr lang="fr-FR" sz="2400" b="1" cap="small" dirty="0" smtClean="0">
+                <a:solidFill>
+                  <a:srgbClr val="92D050"/>
+                </a:solidFill>
+                <a:latin typeface="+mj-lt"/>
+                <a:ea typeface="+mj-ea"/>
+                <a:cs typeface="+mj-cs"/>
+                <a:hlinkClick r:id="rId2"/>
+              </a:rPr>
+              <a:t>http</a:t>
+            </a:r>
+            <a:r>
+              <a:rPr lang="fr-FR" sz="2400" b="1" cap="small" dirty="0" smtClean="0">
+                <a:solidFill>
+                  <a:srgbClr val="92D050"/>
+                </a:solidFill>
+                <a:latin typeface="+mj-lt"/>
+                <a:ea typeface="+mj-ea"/>
+                <a:cs typeface="+mj-cs"/>
+                <a:hlinkClick r:id="rId2"/>
+              </a:rPr>
+              <a:t>://www.polytech.semantique/tourisme</a:t>
+            </a:r>
+            <a:r>
+              <a:rPr lang="fr-FR" sz="2400" b="1" cap="small" dirty="0" smtClean="0">
+                <a:solidFill>
+                  <a:srgbClr val="92D050"/>
+                </a:solidFill>
+                <a:latin typeface="+mj-lt"/>
+                <a:ea typeface="+mj-ea"/>
+                <a:cs typeface="+mj-cs"/>
+                <a:hlinkClick r:id="rId2"/>
+              </a:rPr>
+              <a:t>#</a:t>
+            </a:r>
+            <a:endParaRPr lang="fr-FR" sz="2400" b="1" cap="small" dirty="0" smtClean="0">
+              <a:solidFill>
+                <a:srgbClr val="92D050"/>
+              </a:solidFill>
+              <a:latin typeface="+mj-lt"/>
+              <a:ea typeface="+mj-ea"/>
+              <a:cs typeface="+mj-cs"/>
+            </a:endParaRPr>
+          </a:p>
+        </p:txBody>
+      </p:sp>
+      <p:sp>
+        <p:nvSpPr>
+          <p:cNvPr id="5" name="Line 12"/>
+          <p:cNvSpPr>
+            <a:spLocks noChangeShapeType="1"/>
+          </p:cNvSpPr>
+          <p:nvPr/>
+        </p:nvSpPr>
+        <p:spPr bwMode="auto">
+          <a:xfrm>
+            <a:off x="0" y="1071546"/>
+            <a:ext cx="9144000" cy="0"/>
+          </a:xfrm>
+          <a:prstGeom prst="line">
+            <a:avLst/>
+          </a:prstGeom>
+          <a:ln>
+            <a:solidFill>
+              <a:schemeClr val="tx2">
+                <a:lumMod val="20000"/>
+                <a:lumOff val="80000"/>
+              </a:schemeClr>
+            </a:solidFill>
+            <a:headEnd/>
+            <a:tailEnd/>
+          </a:ln>
+        </p:spPr>
+        <p:style>
+          <a:lnRef idx="2">
+            <a:schemeClr val="accent6"/>
+          </a:lnRef>
+          <a:fillRef idx="0">
+            <a:schemeClr val="accent6"/>
+          </a:fillRef>
+          <a:effectRef idx="1">
+            <a:schemeClr val="accent6"/>
+          </a:effectRef>
+          <a:fontRef idx="minor">
+            <a:schemeClr val="tx1"/>
+          </a:fontRef>
+        </p:style>
+        <p:txBody>
+          <a:bodyPr/>
+          <a:lstStyle/>
+          <a:p>
+            <a:endParaRPr lang="fr-FR"/>
+          </a:p>
+        </p:txBody>
+      </p:sp>
+      <p:pic>
+        <p:nvPicPr>
+          <p:cNvPr id="6" name="Image 5" descr="06-02-2015 19-13-50.jpg"/>
+          <p:cNvPicPr>
+            <a:picLocks noChangeAspect="1"/>
+          </p:cNvPicPr>
+          <p:nvPr/>
+        </p:nvPicPr>
+        <p:blipFill>
+          <a:blip r:embed="rId3"/>
+          <a:stretch>
+            <a:fillRect/>
+          </a:stretch>
+        </p:blipFill>
+        <p:spPr>
+          <a:xfrm>
+            <a:off x="1142976" y="1714488"/>
+            <a:ext cx="6000792" cy="4324350"/>
+          </a:xfrm>
+          <a:prstGeom prst="rect">
+            <a:avLst/>
+          </a:prstGeom>
+        </p:spPr>
+      </p:pic>
+    </p:spTree>
+  </p:cSld>
+  <p:clrMapOvr>
+    <a:masterClrMapping/>
+  </p:clrMapOvr>
+  <p:timing>
+    <p:tnLst>
+      <p:par>
+        <p:cTn id="1" dur="indefinite" restart="never" nodeType="tmRoot"/>
+      </p:par>
+    </p:tnLst>
+  </p:timing>
+</p:sld>
+</file>
+
+<file path=ppt/slides/slide5.xml><?xml version="1.0" encoding="utf-8"?>
+<p:sld xmlns:a="http://schemas.openxmlformats.org/drawingml/2006/main" xmlns:r="http://schemas.openxmlformats.org/officeDocument/2006/relationships" xmlns:p="http://schemas.openxmlformats.org/presentationml/2006/main">
+  <p:cSld>
+    <p:spTree>
+      <p:nvGrpSpPr>
+        <p:cNvPr id="1" name=""/>
+        <p:cNvGrpSpPr/>
+        <p:nvPr/>
+      </p:nvGrpSpPr>
+      <p:grpSpPr>
+        <a:xfrm>
+          <a:off x="0" y="0"/>
+          <a:ext cx="0" cy="0"/>
+          <a:chOff x="0" y="0"/>
+          <a:chExt cx="0" cy="0"/>
+        </a:xfrm>
+      </p:grpSpPr>
+      <p:sp>
+        <p:nvSpPr>
+          <p:cNvPr id="7" name="Espace réservé du contenu 6"/>
+          <p:cNvSpPr>
+            <a:spLocks noGrp="1"/>
+          </p:cNvSpPr>
+          <p:nvPr>
+            <p:ph idx="1"/>
+          </p:nvPr>
+        </p:nvSpPr>
+        <p:spPr>
+          <a:xfrm>
+            <a:off x="457200" y="1142984"/>
+            <a:ext cx="7239000" cy="5312752"/>
+          </a:xfrm>
+        </p:spPr>
+        <p:txBody>
+          <a:bodyPr>
+            <a:normAutofit fontScale="70000" lnSpcReduction="20000"/>
+          </a:bodyPr>
+          <a:lstStyle/>
+          <a:p>
+            <a:r>
+              <a:rPr lang="fr-FR" dirty="0" smtClean="0"/>
+              <a:t>Notre Modèle RDF est construit en utilisant des données issues de divers sources.</a:t>
+            </a:r>
+          </a:p>
+          <a:p>
+            <a:endParaRPr lang="fr-FR" dirty="0" smtClean="0"/>
+          </a:p>
+          <a:p>
+            <a:pPr marL="514350" indent="-514350">
+              <a:buFont typeface="+mj-lt"/>
+              <a:buAutoNum type="arabicPeriod"/>
+            </a:pPr>
+            <a:r>
+              <a:rPr lang="fr-FR" dirty="0" smtClean="0"/>
+              <a:t>Données </a:t>
+            </a:r>
+            <a:r>
+              <a:rPr lang="fr-FR" dirty="0" smtClean="0"/>
+              <a:t>de </a:t>
+            </a:r>
+            <a:r>
+              <a:rPr lang="fr-FR" dirty="0" err="1" smtClean="0"/>
+              <a:t>DBpedia</a:t>
+            </a:r>
+            <a:r>
+              <a:rPr lang="fr-FR" dirty="0" smtClean="0"/>
+              <a:t> </a:t>
+            </a:r>
+            <a:r>
+              <a:rPr lang="fr-FR" dirty="0" smtClean="0"/>
+              <a:t> : mettant </a:t>
+            </a:r>
+            <a:r>
+              <a:rPr lang="fr-FR" dirty="0" smtClean="0"/>
+              <a:t>en évidence l’aspect </a:t>
+            </a:r>
+            <a:r>
+              <a:rPr lang="fr-FR" dirty="0" err="1" smtClean="0"/>
+              <a:t>Linked</a:t>
+            </a:r>
+            <a:r>
+              <a:rPr lang="fr-FR" dirty="0" smtClean="0"/>
+              <a:t> Data du web </a:t>
+            </a:r>
+            <a:r>
+              <a:rPr lang="fr-FR" dirty="0" smtClean="0"/>
+              <a:t>sémantique </a:t>
+            </a:r>
+          </a:p>
+          <a:p>
+            <a:pPr lvl="1"/>
+            <a:r>
+              <a:rPr lang="fr-FR" dirty="0" smtClean="0"/>
+              <a:t>décrivant </a:t>
+            </a:r>
+            <a:r>
+              <a:rPr lang="fr-FR" dirty="0" smtClean="0"/>
+              <a:t>les viles et ses monuments</a:t>
+            </a:r>
+            <a:r>
+              <a:rPr lang="fr-FR" dirty="0" smtClean="0"/>
+              <a:t>.</a:t>
+            </a:r>
+          </a:p>
+          <a:p>
+            <a:pPr lvl="1"/>
+            <a:endParaRPr lang="fr-FR" dirty="0" smtClean="0"/>
+          </a:p>
+          <a:p>
+            <a:pPr marL="514350" indent="-514350">
+              <a:buFont typeface="+mj-lt"/>
+              <a:buAutoNum type="arabicPeriod"/>
+            </a:pPr>
+            <a:r>
+              <a:rPr lang="fr-FR" dirty="0" smtClean="0"/>
+              <a:t>Données </a:t>
+            </a:r>
+            <a:r>
+              <a:rPr lang="fr-FR" dirty="0" smtClean="0"/>
+              <a:t>en format CSV. </a:t>
+            </a:r>
+            <a:endParaRPr lang="fr-FR" dirty="0" smtClean="0"/>
+          </a:p>
+          <a:p>
+            <a:pPr lvl="1"/>
+            <a:r>
+              <a:rPr lang="fr-FR" dirty="0" smtClean="0"/>
+              <a:t>décrivent </a:t>
+            </a:r>
+            <a:r>
+              <a:rPr lang="fr-FR" dirty="0" smtClean="0"/>
+              <a:t>les vols, les hôtels , les restaurants , les agences de location. </a:t>
+            </a:r>
+          </a:p>
+          <a:p>
+            <a:pPr lvl="1"/>
+            <a:r>
+              <a:rPr lang="fr-FR" dirty="0" smtClean="0"/>
+              <a:t>construites </a:t>
+            </a:r>
+            <a:r>
+              <a:rPr lang="fr-FR" dirty="0" smtClean="0"/>
+              <a:t>de deux façon différentes </a:t>
+            </a:r>
+            <a:r>
+              <a:rPr lang="fr-FR" dirty="0" smtClean="0"/>
+              <a:t>:</a:t>
+            </a:r>
+          </a:p>
+          <a:p>
+            <a:pPr lvl="1"/>
+            <a:endParaRPr lang="fr-FR" dirty="0" smtClean="0"/>
+          </a:p>
+          <a:p>
+            <a:pPr lvl="2">
+              <a:buFont typeface="Wingdings" pitchFamily="2" charset="2"/>
+              <a:buChar char="v"/>
+            </a:pPr>
+            <a:r>
+              <a:rPr lang="fr-FR" dirty="0" smtClean="0"/>
+              <a:t>Pour les hôtels , les restaurants , les données </a:t>
+            </a:r>
+            <a:r>
+              <a:rPr lang="fr-FR" dirty="0" smtClean="0"/>
+              <a:t> récupérées </a:t>
+            </a:r>
+            <a:r>
+              <a:rPr lang="fr-FR" dirty="0" smtClean="0"/>
+              <a:t>du site le plus connu du tourisme “</a:t>
+            </a:r>
+            <a:r>
+              <a:rPr lang="fr-FR" dirty="0" err="1" smtClean="0"/>
+              <a:t>Tripadvisor</a:t>
+            </a:r>
+            <a:r>
+              <a:rPr lang="fr-FR" dirty="0" smtClean="0"/>
+              <a:t> “ </a:t>
+            </a:r>
+            <a:r>
+              <a:rPr lang="fr-FR" dirty="0" smtClean="0"/>
+              <a:t>avec un crawler </a:t>
+            </a:r>
+            <a:r>
+              <a:rPr lang="fr-FR" dirty="0" smtClean="0"/>
+              <a:t>est développé en utilisant PHP (en s’inspirant du  projet de l’année dernière avec madame Elena </a:t>
+            </a:r>
+            <a:r>
+              <a:rPr lang="fr-FR" dirty="0" err="1" smtClean="0"/>
+              <a:t>Cabrio</a:t>
+            </a:r>
+            <a:r>
+              <a:rPr lang="fr-FR" dirty="0" smtClean="0"/>
+              <a:t>). </a:t>
+            </a:r>
+            <a:endParaRPr lang="fr-FR" dirty="0" smtClean="0"/>
+          </a:p>
+          <a:p>
+            <a:pPr lvl="2">
+              <a:buFont typeface="Wingdings" pitchFamily="2" charset="2"/>
+              <a:buChar char="v"/>
+            </a:pPr>
+            <a:endParaRPr lang="fr-FR" dirty="0" smtClean="0"/>
+          </a:p>
+          <a:p>
+            <a:pPr lvl="2">
+              <a:buFont typeface="Wingdings" pitchFamily="2" charset="2"/>
+              <a:buChar char="v"/>
+            </a:pPr>
+            <a:r>
+              <a:rPr lang="fr-FR" dirty="0" smtClean="0"/>
+              <a:t>Pour </a:t>
+            </a:r>
+            <a:r>
+              <a:rPr lang="fr-FR" dirty="0" smtClean="0"/>
+              <a:t>les vols et les </a:t>
+            </a:r>
+            <a:r>
+              <a:rPr lang="fr-FR" dirty="0" smtClean="0"/>
+              <a:t>agence, </a:t>
+            </a:r>
+            <a:r>
+              <a:rPr lang="fr-FR" dirty="0" smtClean="0"/>
+              <a:t>nous avons définit les fichier CSV manuellement.</a:t>
+            </a:r>
+          </a:p>
+          <a:p>
+            <a:endParaRPr lang="fr-FR" dirty="0" smtClean="0"/>
+          </a:p>
+          <a:p>
+            <a:endParaRPr lang="fr-FR" dirty="0" smtClean="0"/>
+          </a:p>
+          <a:p>
+            <a:pPr>
+              <a:buNone/>
+            </a:pPr>
+            <a:r>
+              <a:rPr lang="fr-FR" dirty="0" smtClean="0">
+                <a:sym typeface="Wingdings" pitchFamily="2" charset="2"/>
+              </a:rPr>
+              <a:t> </a:t>
+            </a:r>
+            <a:r>
+              <a:rPr lang="fr-FR" dirty="0" smtClean="0"/>
+              <a:t>modèle RDF construit en </a:t>
+            </a:r>
+            <a:r>
+              <a:rPr lang="fr-FR" dirty="0" smtClean="0"/>
+              <a:t>utilisant un programme java développé avec le projet apache Jena.  </a:t>
+            </a:r>
+            <a:endParaRPr lang="fr-FR" dirty="0" smtClean="0"/>
+          </a:p>
+        </p:txBody>
+      </p:sp>
+      <p:sp>
+        <p:nvSpPr>
           <p:cNvPr id="3" name="Espace réservé du numéro de diapositive 3"/>
           <p:cNvSpPr>
             <a:spLocks noGrp="1"/>
@@ -4631,7 +5405,7 @@
             <a:fld id="{CF4668DC-857F-487D-BFFA-8C0CA5037977}" type="slidenum">
               <a:rPr lang="fr-BE" smtClean="0"/>
               <a:pPr/>
-              <a:t>4</a:t>
+              <a:t>5</a:t>
             </a:fld>
             <a:endParaRPr lang="fr-BE"/>
           </a:p>
@@ -4668,8 +5442,16 @@
                 <a:ea typeface="+mj-ea"/>
                 <a:cs typeface="+mj-cs"/>
               </a:rPr>
-              <a:t>Architecture logicielle</a:t>
-            </a:r>
+              <a:t>Construction du Modèle RDF </a:t>
+            </a:r>
+            <a:endParaRPr lang="fr-FR" sz="2400" b="1" cap="small" dirty="0" smtClean="0">
+              <a:solidFill>
+                <a:srgbClr val="92D050"/>
+              </a:solidFill>
+              <a:latin typeface="+mj-lt"/>
+              <a:ea typeface="+mj-ea"/>
+              <a:cs typeface="+mj-cs"/>
+            </a:endParaRPr>
           </a:p>
         </p:txBody>
       </p:sp>
@@ -4737,7 +5519,7 @@
 </p:sld>
 </file>
 
-<file path=ppt/slides/slide5.xml><?xml version="1.0" encoding="utf-8"?>
+<file path=ppt/slides/slide6.xml><?xml version="1.0" encoding="utf-8"?>
 <p:sld xmlns:a="http://schemas.openxmlformats.org/drawingml/2006/main" xmlns:r="http://schemas.openxmlformats.org/officeDocument/2006/relationships" xmlns:p="http://schemas.openxmlformats.org/presentationml/2006/main">
   <p:cSld>
     <p:spTree>
@@ -4756,6 +5538,251 @@
       </p:grpSpPr>
       <p:sp>
         <p:nvSpPr>
+          <p:cNvPr id="6" name="Espace réservé du contenu 5"/>
+          <p:cNvSpPr>
+            <a:spLocks noGrp="1"/>
+          </p:cNvSpPr>
+          <p:nvPr>
+            <p:ph idx="1"/>
+          </p:nvPr>
+        </p:nvSpPr>
+        <p:spPr/>
+        <p:txBody>
+          <a:bodyPr>
+            <a:normAutofit fontScale="77500" lnSpcReduction="20000"/>
+          </a:bodyPr>
+          <a:lstStyle/>
+          <a:p>
+            <a:r>
+              <a:rPr lang="en-US" b="1" dirty="0" err="1" smtClean="0"/>
+              <a:t>Règle</a:t>
+            </a:r>
+            <a:r>
+              <a:rPr lang="en-US" b="1" dirty="0" smtClean="0"/>
+              <a:t> Rule :</a:t>
+            </a:r>
+            <a:endParaRPr lang="en-US" dirty="0" smtClean="0"/>
+          </a:p>
+          <a:p>
+            <a:pPr lvl="1">
+              <a:buNone/>
+            </a:pPr>
+            <a:r>
+              <a:rPr lang="en-US" dirty="0" smtClean="0"/>
+              <a:t>&lt;rule&gt;</a:t>
+            </a:r>
+          </a:p>
+          <a:p>
+            <a:pPr lvl="1">
+              <a:buNone/>
+            </a:pPr>
+            <a:r>
+              <a:rPr lang="en-US" dirty="0" smtClean="0"/>
+              <a:t>&lt;body&gt;</a:t>
+            </a:r>
+          </a:p>
+          <a:p>
+            <a:pPr lvl="2">
+              <a:buNone/>
+            </a:pPr>
+            <a:r>
+              <a:rPr lang="en-US" dirty="0" smtClean="0"/>
+              <a:t>&lt;![CDATA[</a:t>
+            </a:r>
+          </a:p>
+          <a:p>
+            <a:pPr lvl="2">
+              <a:buNone/>
+            </a:pPr>
+            <a:r>
+              <a:rPr lang="en-US" dirty="0" smtClean="0"/>
+              <a:t>prefix </a:t>
+            </a:r>
+            <a:r>
+              <a:rPr lang="en-US" dirty="0" err="1" smtClean="0"/>
+              <a:t>tourisme</a:t>
+            </a:r>
+            <a:r>
+              <a:rPr lang="en-US" dirty="0" smtClean="0"/>
+              <a:t>: &lt;</a:t>
+            </a:r>
+            <a:r>
+              <a:rPr lang="en-US" u="sng" dirty="0" smtClean="0">
+                <a:hlinkClick r:id="rId2"/>
+              </a:rPr>
+              <a:t>http://www.polytech.semantique/tourisme#</a:t>
+            </a:r>
+            <a:r>
+              <a:rPr lang="en-US" dirty="0" smtClean="0"/>
+              <a:t>&gt;</a:t>
+            </a:r>
+          </a:p>
+          <a:p>
+            <a:pPr lvl="2">
+              <a:buNone/>
+            </a:pPr>
+            <a:r>
+              <a:rPr lang="en-US" dirty="0" smtClean="0"/>
+              <a:t>construct {</a:t>
+            </a:r>
+          </a:p>
+          <a:p>
+            <a:pPr lvl="2">
+              <a:buNone/>
+            </a:pPr>
+            <a:r>
+              <a:rPr lang="en-US" dirty="0" smtClean="0"/>
+              <a:t>?x </a:t>
+            </a:r>
+            <a:r>
+              <a:rPr lang="en-US" dirty="0" err="1" smtClean="0"/>
+              <a:t>tourisme:recommenderMonument</a:t>
+            </a:r>
+            <a:r>
+              <a:rPr lang="en-US" dirty="0" smtClean="0"/>
+              <a:t> ?y</a:t>
+            </a:r>
+          </a:p>
+          <a:p>
+            <a:pPr lvl="2">
+              <a:buNone/>
+            </a:pPr>
+            <a:r>
+              <a:rPr lang="en-US" dirty="0" smtClean="0"/>
+              <a:t>} where {</a:t>
+            </a:r>
+          </a:p>
+          <a:p>
+            <a:pPr lvl="2">
+              <a:buNone/>
+            </a:pPr>
+            <a:r>
+              <a:rPr lang="en-US" dirty="0" smtClean="0"/>
+              <a:t>?x </a:t>
+            </a:r>
+            <a:r>
+              <a:rPr lang="en-US" dirty="0" err="1" smtClean="0"/>
+              <a:t>rdf:type</a:t>
+            </a:r>
+            <a:r>
+              <a:rPr lang="en-US" dirty="0" smtClean="0"/>
+              <a:t> </a:t>
+            </a:r>
+            <a:r>
+              <a:rPr lang="en-US" dirty="0" err="1" smtClean="0"/>
+              <a:t>tourisme:VolLoisir</a:t>
+            </a:r>
+            <a:endParaRPr lang="en-US" dirty="0" smtClean="0"/>
+          </a:p>
+          <a:p>
+            <a:pPr lvl="2">
+              <a:buNone/>
+            </a:pPr>
+            <a:r>
+              <a:rPr lang="en-US" dirty="0" smtClean="0"/>
+              <a:t>?x </a:t>
+            </a:r>
+            <a:r>
+              <a:rPr lang="en-US" dirty="0" err="1" smtClean="0"/>
+              <a:t>tourisme:destination</a:t>
+            </a:r>
+            <a:r>
+              <a:rPr lang="en-US" dirty="0" smtClean="0"/>
+              <a:t> ?place</a:t>
+            </a:r>
+          </a:p>
+          <a:p>
+            <a:pPr lvl="2">
+              <a:buNone/>
+            </a:pPr>
+            <a:r>
+              <a:rPr lang="en-US" dirty="0" smtClean="0"/>
+              <a:t>?y </a:t>
+            </a:r>
+            <a:r>
+              <a:rPr lang="en-US" dirty="0" err="1" smtClean="0"/>
+              <a:t>tourisme:dans</a:t>
+            </a:r>
+            <a:r>
+              <a:rPr lang="en-US" dirty="0" smtClean="0"/>
+              <a:t> ?place</a:t>
+            </a:r>
+          </a:p>
+          <a:p>
+            <a:pPr lvl="2">
+              <a:buNone/>
+            </a:pPr>
+            <a:r>
+              <a:rPr lang="en-US" dirty="0" smtClean="0"/>
+              <a:t>?y </a:t>
+            </a:r>
+            <a:r>
+              <a:rPr lang="en-US" dirty="0" err="1" smtClean="0"/>
+              <a:t>rdf:type</a:t>
+            </a:r>
+            <a:r>
+              <a:rPr lang="en-US" dirty="0" smtClean="0"/>
+              <a:t> </a:t>
+            </a:r>
+            <a:r>
+              <a:rPr lang="en-US" dirty="0" err="1" smtClean="0"/>
+              <a:t>tourisme:Monument</a:t>
+            </a:r>
+            <a:endParaRPr lang="en-US" dirty="0" smtClean="0"/>
+          </a:p>
+          <a:p>
+            <a:pPr lvl="2">
+              <a:buNone/>
+            </a:pPr>
+            <a:r>
+              <a:rPr lang="en-US" dirty="0" smtClean="0"/>
+              <a:t>}</a:t>
+            </a:r>
+          </a:p>
+          <a:p>
+            <a:pPr lvl="2">
+              <a:buNone/>
+            </a:pPr>
+            <a:r>
+              <a:rPr lang="en-US" dirty="0" smtClean="0"/>
+              <a:t>]]&gt;</a:t>
+            </a:r>
+          </a:p>
+          <a:p>
+            <a:pPr lvl="1">
+              <a:buNone/>
+            </a:pPr>
+            <a:r>
+              <a:rPr lang="en-US" dirty="0" smtClean="0"/>
+              <a:t>&lt;/body&gt;</a:t>
+            </a:r>
+          </a:p>
+          <a:p>
+            <a:pPr lvl="1">
+              <a:buNone/>
+            </a:pPr>
+            <a:r>
+              <a:rPr lang="en-US" dirty="0" smtClean="0"/>
+              <a:t>&lt;/rule&gt;</a:t>
+            </a:r>
+          </a:p>
+          <a:p>
+            <a:pPr>
+              <a:buNone/>
+            </a:pPr>
+            <a:r>
+              <a:rPr lang="en-US" dirty="0" smtClean="0"/>
+              <a:t/>
+            </a:r>
+            <a:br>
+              <a:rPr lang="en-US" dirty="0" smtClean="0"/>
+            </a:br>
+            <a:endParaRPr lang="en-US" dirty="0"/>
+          </a:p>
+        </p:txBody>
+      </p:sp>
+      <p:sp>
+        <p:nvSpPr>
           <p:cNvPr id="3" name="Espace réservé du numéro de diapositive 3"/>
           <p:cNvSpPr>
             <a:spLocks noGrp="1"/>
@@ -4772,7 +5799,7 @@
             <a:fld id="{CF4668DC-857F-487D-BFFA-8C0CA5037977}" type="slidenum">
               <a:rPr lang="fr-BE" smtClean="0"/>
               <a:pPr/>
-              <a:t>5</a:t>
+              <a:t>6</a:t>
             </a:fld>
             <a:endParaRPr lang="fr-BE"/>
           </a:p>
@@ -4827,6 +5854,50 @@
           </a:p>
         </p:txBody>
       </p:sp>
+      <p:sp>
+        <p:nvSpPr>
+          <p:cNvPr id="7" name="Rectangle 6"/>
+          <p:cNvSpPr/>
+          <p:nvPr/>
+        </p:nvSpPr>
+        <p:spPr>
+          <a:xfrm>
+            <a:off x="-36512" y="116632"/>
+            <a:ext cx="9180512" cy="461665"/>
+          </a:xfrm>
+          <a:prstGeom prst="rect">
+            <a:avLst/>
+          </a:prstGeom>
+        </p:spPr>
+        <p:txBody>
+          <a:bodyPr wrap="square">
+            <a:spAutoFit/>
+          </a:bodyPr>
+          <a:lstStyle/>
+          <a:p>
+            <a:pPr algn="ctr"/>
+            <a:r>
+              <a:rPr lang="fr-FR" sz="2400" b="1" cap="small" dirty="0" smtClean="0">
+                <a:solidFill>
+                  <a:srgbClr val="92D050"/>
+                </a:solidFill>
+                <a:latin typeface="+mj-lt"/>
+                <a:ea typeface="+mj-ea"/>
+                <a:cs typeface="+mj-cs"/>
+              </a:rPr>
+              <a:t>Exemple de règle d’inférence</a:t>
+            </a:r>
+            <a:endParaRPr lang="fr-FR" sz="2400" b="1" cap="small" dirty="0" smtClean="0">
+              <a:solidFill>
+                <a:srgbClr val="92D050"/>
+              </a:solidFill>
+              <a:latin typeface="+mj-lt"/>
+              <a:ea typeface="+mj-ea"/>
+              <a:cs typeface="+mj-cs"/>
+            </a:endParaRPr>
+          </a:p>
+        </p:txBody>
+      </p:sp>
     </p:spTree>
   </p:cSld>
   <p:clrMapOvr>
@@ -4842,7 +5913,7 @@
 </p:sld>
 </file>
 
-<file path=ppt/slides/slide6.xml><?xml version="1.0" encoding="utf-8"?>
+<file path=ppt/slides/slide7.xml><?xml version="1.0" encoding="utf-8"?>
 <p:sld xmlns:a="http://schemas.openxmlformats.org/drawingml/2006/main" xmlns:r="http://schemas.openxmlformats.org/officeDocument/2006/relationships" xmlns:p="http://schemas.openxmlformats.org/presentationml/2006/main">
   <p:cSld>
     <p:spTree>
@@ -4859,6 +5930,522 @@
           <a:chExt cx="0" cy="0"/>
         </a:xfrm>
       </p:grpSpPr>
+      <p:sp>
+        <p:nvSpPr>
+          <p:cNvPr id="3" name="Espace réservé du contenu 2"/>
+          <p:cNvSpPr>
+            <a:spLocks noGrp="1"/>
+          </p:cNvSpPr>
+          <p:nvPr>
+            <p:ph idx="1"/>
+          </p:nvPr>
+        </p:nvSpPr>
+        <p:spPr>
+          <a:xfrm>
+            <a:off x="457200" y="500042"/>
+            <a:ext cx="7239000" cy="5955694"/>
+          </a:xfrm>
+        </p:spPr>
+        <p:txBody>
+          <a:bodyPr>
+            <a:normAutofit fontScale="55000" lnSpcReduction="20000"/>
+          </a:bodyPr>
+          <a:lstStyle/>
+          <a:p>
+            <a:pPr>
+              <a:buNone/>
+            </a:pPr>
+            <a:r>
+              <a:rPr lang="en-US" b="1" dirty="0" err="1" smtClean="0"/>
+              <a:t>Donnée</a:t>
+            </a:r>
+            <a:r>
+              <a:rPr lang="en-US" b="1" dirty="0" smtClean="0"/>
+              <a:t> </a:t>
+            </a:r>
+            <a:r>
+              <a:rPr lang="en-US" b="1" dirty="0" err="1" smtClean="0"/>
+              <a:t>d’entrée</a:t>
+            </a:r>
+            <a:r>
+              <a:rPr lang="en-US" b="1" dirty="0" smtClean="0"/>
+              <a:t> :</a:t>
+            </a:r>
+            <a:endParaRPr lang="en-US" dirty="0" smtClean="0"/>
+          </a:p>
+          <a:p>
+            <a:pPr lvl="1">
+              <a:buNone/>
+            </a:pPr>
+            <a:r>
+              <a:rPr lang="en-US" dirty="0" smtClean="0"/>
+              <a:t>tourisme:Vol6 a </a:t>
+            </a:r>
+            <a:r>
+              <a:rPr lang="en-US" dirty="0" err="1" smtClean="0"/>
+              <a:t>tourisme:VolLoisir</a:t>
+            </a:r>
+            <a:r>
+              <a:rPr lang="en-US" dirty="0" smtClean="0"/>
+              <a:t> ;</a:t>
+            </a:r>
+          </a:p>
+          <a:p>
+            <a:pPr lvl="1">
+              <a:buNone/>
+            </a:pPr>
+            <a:r>
+              <a:rPr lang="en-US" dirty="0" err="1" smtClean="0"/>
+              <a:t>dc:identifier</a:t>
+            </a:r>
+            <a:r>
+              <a:rPr lang="en-US" dirty="0" smtClean="0"/>
+              <a:t> "6" ;</a:t>
+            </a:r>
+          </a:p>
+          <a:p>
+            <a:pPr lvl="1">
+              <a:buNone/>
+            </a:pPr>
+            <a:r>
+              <a:rPr lang="en-US" dirty="0" err="1" smtClean="0"/>
+              <a:t>tourisme:depart</a:t>
+            </a:r>
+            <a:r>
+              <a:rPr lang="en-US" dirty="0" smtClean="0"/>
+              <a:t> </a:t>
+            </a:r>
+            <a:r>
+              <a:rPr lang="en-US" dirty="0" err="1" smtClean="0"/>
+              <a:t>tourisme:Paris</a:t>
+            </a:r>
+            <a:r>
+              <a:rPr lang="en-US" dirty="0" smtClean="0"/>
+              <a:t> ;</a:t>
+            </a:r>
+          </a:p>
+          <a:p>
+            <a:pPr lvl="1">
+              <a:buNone/>
+            </a:pPr>
+            <a:r>
+              <a:rPr lang="en-US" dirty="0" err="1" smtClean="0"/>
+              <a:t>tourisme:destination</a:t>
+            </a:r>
+            <a:r>
+              <a:rPr lang="en-US" dirty="0" smtClean="0"/>
+              <a:t> </a:t>
+            </a:r>
+            <a:r>
+              <a:rPr lang="en-US" dirty="0" err="1" smtClean="0"/>
+              <a:t>tourisme:Nice</a:t>
+            </a:r>
+            <a:r>
+              <a:rPr lang="en-US" dirty="0" smtClean="0"/>
+              <a:t> .</a:t>
+            </a:r>
+          </a:p>
+          <a:p>
+            <a:pPr lvl="1">
+              <a:buNone/>
+            </a:pPr>
+            <a:r>
+              <a:rPr lang="en-US" dirty="0" err="1" smtClean="0"/>
+              <a:t>dbpediaresource</a:t>
+            </a:r>
+            <a:r>
+              <a:rPr lang="en-US" dirty="0" smtClean="0"/>
+              <a:t>:</a:t>
+            </a:r>
+          </a:p>
+          <a:p>
+            <a:pPr lvl="1">
+              <a:buNone/>
+            </a:pPr>
+            <a:r>
+              <a:rPr lang="en-US" dirty="0" err="1" smtClean="0"/>
+              <a:t>Carnavalet_Museum</a:t>
+            </a:r>
+            <a:endParaRPr lang="en-US" dirty="0" smtClean="0"/>
+          </a:p>
+          <a:p>
+            <a:pPr lvl="1">
+              <a:buNone/>
+            </a:pPr>
+            <a:r>
+              <a:rPr lang="en-US" dirty="0" smtClean="0"/>
+              <a:t>a </a:t>
+            </a:r>
+            <a:r>
+              <a:rPr lang="en-US" dirty="0" err="1" smtClean="0"/>
+              <a:t>tourisme:Monument</a:t>
+            </a:r>
+            <a:r>
+              <a:rPr lang="en-US" dirty="0" smtClean="0"/>
+              <a:t> ;</a:t>
+            </a:r>
+          </a:p>
+          <a:p>
+            <a:pPr lvl="1">
+              <a:buNone/>
+            </a:pPr>
+            <a:r>
+              <a:rPr lang="en-US" dirty="0" err="1" smtClean="0"/>
+              <a:t>tourisme:dans</a:t>
+            </a:r>
+            <a:r>
+              <a:rPr lang="en-US" dirty="0" smtClean="0"/>
+              <a:t> </a:t>
+            </a:r>
+            <a:r>
+              <a:rPr lang="en-US" dirty="0" err="1" smtClean="0"/>
+              <a:t>tourisme:Nice</a:t>
+            </a:r>
+            <a:r>
+              <a:rPr lang="en-US" dirty="0" smtClean="0"/>
+              <a:t> ;</a:t>
+            </a:r>
+          </a:p>
+          <a:p>
+            <a:pPr lvl="1">
+              <a:buNone/>
+            </a:pPr>
+            <a:r>
+              <a:rPr lang="en-US" dirty="0" err="1" smtClean="0"/>
+              <a:t>tourisme:description</a:t>
+            </a:r>
+            <a:r>
+              <a:rPr lang="en-US" dirty="0" smtClean="0"/>
+              <a:t> "Le </a:t>
+            </a:r>
+            <a:r>
+              <a:rPr lang="en-US" dirty="0" err="1" smtClean="0"/>
+              <a:t>musée</a:t>
+            </a:r>
+            <a:r>
+              <a:rPr lang="en-US" dirty="0" smtClean="0"/>
+              <a:t> </a:t>
+            </a:r>
+            <a:r>
+              <a:rPr lang="en-US" dirty="0" err="1" smtClean="0"/>
+              <a:t>Carnavalet</a:t>
+            </a:r>
+            <a:r>
+              <a:rPr lang="en-US" dirty="0" smtClean="0"/>
+              <a:t> </a:t>
+            </a:r>
+            <a:r>
+              <a:rPr lang="en-US" dirty="0" err="1" smtClean="0"/>
+              <a:t>est</a:t>
+            </a:r>
+            <a:r>
+              <a:rPr lang="en-US" dirty="0" smtClean="0"/>
+              <a:t> le </a:t>
+            </a:r>
+            <a:r>
+              <a:rPr lang="en-US" dirty="0" err="1" smtClean="0"/>
+              <a:t>musée</a:t>
+            </a:r>
+            <a:r>
+              <a:rPr lang="en-US" dirty="0" smtClean="0"/>
+              <a:t> ...." ;</a:t>
+            </a:r>
+          </a:p>
+          <a:p>
+            <a:pPr lvl="1">
+              <a:buNone/>
+            </a:pPr>
+            <a:r>
+              <a:rPr lang="en-US" dirty="0" err="1" smtClean="0"/>
+              <a:t>tourisme:imageUrl</a:t>
+            </a:r>
+            <a:r>
+              <a:rPr lang="en-US" dirty="0" smtClean="0"/>
+              <a:t> </a:t>
+            </a:r>
+            <a:r>
+              <a:rPr lang="en-US" dirty="0" err="1" smtClean="0"/>
+              <a:t>tourisme:IMAGE_Monument_Carnavalet_Museum</a:t>
+            </a:r>
+            <a:r>
+              <a:rPr lang="en-US" dirty="0" smtClean="0"/>
+              <a:t> ;</a:t>
+            </a:r>
+          </a:p>
+          <a:p>
+            <a:pPr lvl="1">
+              <a:buNone/>
+            </a:pPr>
+            <a:r>
+              <a:rPr lang="en-US" dirty="0" err="1" smtClean="0"/>
+              <a:t>tourisme:localisation</a:t>
+            </a:r>
+            <a:r>
+              <a:rPr lang="en-US" dirty="0" smtClean="0"/>
+              <a:t> "48.8574 2.36214" ;</a:t>
+            </a:r>
+          </a:p>
+          <a:p>
+            <a:pPr lvl="1">
+              <a:buNone/>
+            </a:pPr>
+            <a:r>
+              <a:rPr lang="en-US" dirty="0" err="1" smtClean="0"/>
+              <a:t>tourisme:siteWeb</a:t>
+            </a:r>
+            <a:r>
+              <a:rPr lang="en-US" dirty="0" smtClean="0"/>
+              <a:t> </a:t>
+            </a:r>
+            <a:r>
+              <a:rPr lang="en-US" dirty="0" err="1" smtClean="0"/>
+              <a:t>tourisme:URL_Monument_Carnavalet_Museum</a:t>
+            </a:r>
+            <a:r>
+              <a:rPr lang="en-US" dirty="0" smtClean="0"/>
+              <a:t> .</a:t>
+            </a:r>
+          </a:p>
+          <a:p>
+            <a:pPr>
+              <a:buNone/>
+            </a:pPr>
+            <a:endParaRPr lang="en-US" b="1" dirty="0" smtClean="0"/>
+          </a:p>
+          <a:p>
+            <a:pPr>
+              <a:buNone/>
+            </a:pPr>
+            <a:r>
+              <a:rPr lang="en-US" b="1" dirty="0" err="1" smtClean="0"/>
+              <a:t>Requête</a:t>
+            </a:r>
+            <a:r>
+              <a:rPr lang="en-US" b="1" dirty="0" smtClean="0"/>
+              <a:t> </a:t>
+            </a:r>
+            <a:r>
+              <a:rPr lang="en-US" b="1" dirty="0" err="1" smtClean="0"/>
+              <a:t>Sparql</a:t>
+            </a:r>
+            <a:r>
+              <a:rPr lang="en-US" b="1" dirty="0" smtClean="0"/>
+              <a:t> :</a:t>
+            </a:r>
+            <a:endParaRPr lang="en-US" dirty="0" smtClean="0"/>
+          </a:p>
+          <a:p>
+            <a:pPr lvl="1">
+              <a:buNone/>
+            </a:pPr>
+            <a:r>
+              <a:rPr lang="en-US" dirty="0" smtClean="0"/>
+              <a:t>PREFIX </a:t>
+            </a:r>
+            <a:r>
+              <a:rPr lang="en-US" dirty="0" err="1" smtClean="0"/>
+              <a:t>tourisme</a:t>
+            </a:r>
+            <a:r>
+              <a:rPr lang="en-US" dirty="0" smtClean="0"/>
+              <a:t>: &lt;</a:t>
+            </a:r>
+            <a:r>
+              <a:rPr lang="en-US" u="sng" dirty="0" smtClean="0">
+                <a:hlinkClick r:id="rId2"/>
+              </a:rPr>
+              <a:t>http://www.polytech.semantique/tourisme#</a:t>
+            </a:r>
+            <a:r>
+              <a:rPr lang="en-US" dirty="0" smtClean="0"/>
+              <a:t>&gt;</a:t>
+            </a:r>
+          </a:p>
+          <a:p>
+            <a:pPr lvl="1">
+              <a:buNone/>
+            </a:pPr>
+            <a:r>
+              <a:rPr lang="en-US" dirty="0" smtClean="0"/>
+              <a:t>select * where {</a:t>
+            </a:r>
+          </a:p>
+          <a:p>
+            <a:pPr lvl="1">
+              <a:buNone/>
+            </a:pPr>
+            <a:r>
+              <a:rPr lang="en-US" dirty="0" smtClean="0"/>
+              <a:t>?x </a:t>
+            </a:r>
+            <a:r>
+              <a:rPr lang="en-US" dirty="0" err="1" smtClean="0"/>
+              <a:t>tourisme:recommenderMonument</a:t>
+            </a:r>
+            <a:r>
+              <a:rPr lang="en-US" dirty="0" smtClean="0"/>
+              <a:t> ?y</a:t>
+            </a:r>
+          </a:p>
+          <a:p>
+            <a:pPr lvl="1">
+              <a:buNone/>
+            </a:pPr>
+            <a:r>
+              <a:rPr lang="en-US" dirty="0" smtClean="0"/>
+              <a:t>}</a:t>
+            </a:r>
+          </a:p>
+          <a:p>
+            <a:pPr>
+              <a:buNone/>
+            </a:pPr>
+            <a:endParaRPr lang="en-US" b="1" dirty="0" smtClean="0"/>
+          </a:p>
+          <a:p>
+            <a:pPr>
+              <a:buNone/>
+            </a:pPr>
+            <a:r>
+              <a:rPr lang="en-US" b="1" dirty="0" err="1" smtClean="0"/>
+              <a:t>Résultat</a:t>
+            </a:r>
+            <a:r>
+              <a:rPr lang="en-US" b="1" dirty="0" smtClean="0"/>
+              <a:t> </a:t>
+            </a:r>
+            <a:r>
+              <a:rPr lang="en-US" b="1" dirty="0" smtClean="0"/>
+              <a:t>:</a:t>
+            </a:r>
+            <a:endParaRPr lang="en-US" dirty="0" smtClean="0"/>
+          </a:p>
+          <a:p>
+            <a:pPr lvl="1">
+              <a:buNone/>
+            </a:pPr>
+            <a:r>
+              <a:rPr lang="en-US" dirty="0" smtClean="0"/>
+              <a:t>&lt;result&gt;</a:t>
+            </a:r>
+          </a:p>
+          <a:p>
+            <a:pPr lvl="1">
+              <a:buNone/>
+            </a:pPr>
+            <a:r>
+              <a:rPr lang="en-US" dirty="0" smtClean="0"/>
+              <a:t>&lt;binding name='x'&gt;&lt;</a:t>
+            </a:r>
+            <a:r>
+              <a:rPr lang="en-US" dirty="0" err="1" smtClean="0"/>
+              <a:t>uri</a:t>
+            </a:r>
+            <a:r>
+              <a:rPr lang="en-US" dirty="0" smtClean="0"/>
+              <a:t>&gt;http://www.polytech.semantique/tourisme#Vol6&lt;/uri&gt;&lt;/binding&gt;</a:t>
+            </a:r>
+          </a:p>
+          <a:p>
+            <a:pPr lvl="1">
+              <a:buNone/>
+            </a:pPr>
+            <a:r>
+              <a:rPr lang="en-US" dirty="0" smtClean="0"/>
+              <a:t>&lt;binding name='y'&gt;&lt;</a:t>
+            </a:r>
+            <a:r>
+              <a:rPr lang="en-US" dirty="0" err="1" smtClean="0"/>
+              <a:t>uri</a:t>
+            </a:r>
+            <a:r>
+              <a:rPr lang="en-US" dirty="0" smtClean="0"/>
+              <a:t>&gt;http://dbpedia.org/resource/Carnavalet_Museum&lt;/uri&gt;&lt;/binding&gt;</a:t>
+            </a:r>
+          </a:p>
+          <a:p>
+            <a:pPr lvl="1">
+              <a:buNone/>
+            </a:pPr>
+            <a:r>
+              <a:rPr lang="en-US" dirty="0" smtClean="0"/>
+              <a:t>&lt;/result&gt;</a:t>
+            </a:r>
+          </a:p>
+          <a:p>
+            <a:pPr>
+              <a:buNone/>
+            </a:pPr>
+            <a:endParaRPr lang="en-US" dirty="0"/>
+          </a:p>
+        </p:txBody>
+      </p:sp>
+    </p:spTree>
+  </p:cSld>
+  <p:clrMapOvr>
+    <a:masterClrMapping/>
+  </p:clrMapOvr>
+  <p:timing>
+    <p:tnLst>
+      <p:par>
+        <p:cTn id="1" dur="indefinite" restart="never" nodeType="tmRoot"/>
+      </p:par>
+    </p:tnLst>
+  </p:timing>
+</p:sld>
+</file>
+
+<file path=ppt/slides/slide8.xml><?xml version="1.0" encoding="utf-8"?>
+<p:sld xmlns:a="http://schemas.openxmlformats.org/drawingml/2006/main" xmlns:r="http://schemas.openxmlformats.org/officeDocument/2006/relationships" xmlns:p="http://schemas.openxmlformats.org/presentationml/2006/main">
+  <p:cSld>
+    <p:spTree>
+      <p:nvGrpSpPr>
+        <p:cNvPr id="1" name=""/>
+        <p:cNvGrpSpPr/>
+        <p:nvPr/>
+      </p:nvGrpSpPr>
+      <p:grpSpPr>
+        <a:xfrm>
+          <a:off x="0" y="0"/>
+          <a:ext cx="0" cy="0"/>
+          <a:chOff x="0" y="0"/>
+          <a:chExt cx="0" cy="0"/>
+        </a:xfrm>
+      </p:grpSpPr>
+      <p:pic>
+        <p:nvPicPr>
+          <p:cNvPr id="1026" name="Picture 2" descr="https://lh6.googleusercontent.com/iPjj-aeuLyRzlNhOD9NQ8eughCpkdGz_mOBM_lvox0Vq9ufvKGETKvs7uq0_Fd94WOvoDTLqddW23oWeiPXZXTauKaHvnvMuqmqxzKD-0pqDVBsIqLI0dSPXezVkuo8dmEg"/>
+          <p:cNvPicPr>
+            <a:picLocks noChangeAspect="1" noChangeArrowheads="1"/>
+          </p:cNvPicPr>
+          <p:nvPr/>
+        </p:nvPicPr>
+        <p:blipFill>
+          <a:blip r:embed="rId2"/>
+          <a:stretch>
+            <a:fillRect/>
+          </a:stretch>
+        </p:blipFill>
+        <p:spPr bwMode="auto">
+          <a:xfrm>
+            <a:off x="785786" y="2214554"/>
+            <a:ext cx="6459486" cy="2928958"/>
+          </a:xfrm>
+          <a:prstGeom prst="rect">
+            <a:avLst/>
+          </a:prstGeom>
+          <a:ln>
+            <a:noFill/>
+          </a:ln>
+          <a:effectLst>
+            <a:outerShdw blurRad="292100" dist="139700" dir="2700000" algn="tl" rotWithShape="0">
+              <a:srgbClr val="333333">
+                <a:alpha val="65000"/>
+              </a:srgbClr>
+            </a:outerShdw>
+          </a:effectLst>
+        </p:spPr>
+      </p:pic>
       <p:sp>
         <p:nvSpPr>
           <p:cNvPr id="5" name="Line 12"/>
@@ -4910,31 +6497,7 @@
       </p:sp>
       <p:sp>
         <p:nvSpPr>
-          <p:cNvPr id="3" name="Espace réservé du numéro de diapositive 3"/>
-          <p:cNvSpPr>
-            <a:spLocks noGrp="1"/>
-          </p:cNvSpPr>
-          <p:nvPr>
-            <p:ph type="sldNum" sz="quarter" idx="12"/>
-          </p:nvPr>
-        </p:nvSpPr>
-        <p:spPr/>
-        <p:txBody>
-          <a:bodyPr/>
-          <a:lstStyle/>
-          <a:p>
-            <a:fld id="{CF4668DC-857F-487D-BFFA-8C0CA5037977}" type="slidenum">
-              <a:rPr lang="fr-BE" smtClean="0"/>
-              <a:pPr/>
-              <a:t>6</a:t>
-            </a:fld>
-            <a:endParaRPr lang="fr-BE"/>
-          </a:p>
-        </p:txBody>
-      </p:sp>
-      <p:sp>
-        <p:nvSpPr>
-          <p:cNvPr id="4" name="Rectangle 3"/>
+          <p:cNvPr id="6" name="Rectangle 5"/>
           <p:cNvSpPr/>
           <p:nvPr/>
         </p:nvSpPr>
@@ -4963,39 +6526,19 @@
                 <a:ea typeface="+mj-ea"/>
                 <a:cs typeface="+mj-cs"/>
               </a:rPr>
-              <a:t>Démonstration</a:t>
-            </a:r>
-          </a:p>
-        </p:txBody>
-      </p:sp>
-      <p:pic>
-        <p:nvPicPr>
-          <p:cNvPr id="1026" name="Picture 2" descr="C:\Users\BENATH~1\AppData\Local\Temp\SNAGHTML788805.PNG">
-            <a:hlinkClick r:id="rId2"/>
-          </p:cNvPr>
-          <p:cNvPicPr>
-            <a:picLocks noChangeAspect="1" noChangeArrowheads="1"/>
-          </p:cNvPicPr>
-          <p:nvPr/>
-        </p:nvPicPr>
-        <p:blipFill>
-          <a:blip r:embed="rId3" cstate="print"/>
-          <a:srcRect/>
-          <a:stretch>
-            <a:fillRect/>
-          </a:stretch>
-        </p:blipFill>
-        <p:spPr bwMode="auto">
-          <a:xfrm>
-            <a:off x="2987824" y="1844824"/>
-            <a:ext cx="3295650" cy="3257550"/>
-          </a:xfrm>
-          <a:prstGeom prst="rect">
-            <a:avLst/>
-          </a:prstGeom>
-          <a:noFill/>
-        </p:spPr>
-      </p:pic>
+              <a:t>Architecture </a:t>
+            </a:r>
+            <a:endParaRPr lang="fr-FR" sz="2400" b="1" cap="small" dirty="0" smtClean="0">
+              <a:solidFill>
+                <a:srgbClr val="92D050"/>
+              </a:solidFill>
+              <a:latin typeface="+mj-lt"/>
+              <a:ea typeface="+mj-ea"/>
+              <a:cs typeface="+mj-cs"/>
+            </a:endParaRPr>
+          </a:p>
+        </p:txBody>
+      </p:sp>
     </p:spTree>
   </p:cSld>
   <p:clrMapOvr>
@@ -5011,7 +6554,7 @@
 </p:sld>
 </file>
 
-<file path=ppt/slides/slide7.xml><?xml version="1.0" encoding="utf-8"?>
+<file path=ppt/slides/slide9.xml><?xml version="1.0" encoding="utf-8"?>
 <p:sld xmlns:a="http://schemas.openxmlformats.org/drawingml/2006/main" xmlns:r="http://schemas.openxmlformats.org/officeDocument/2006/relationships" xmlns:p="http://schemas.openxmlformats.org/presentationml/2006/main">
   <p:cSld>
     <p:spTree>
@@ -5030,31 +6573,7 @@
       </p:grpSpPr>
       <p:sp>
         <p:nvSpPr>
-          <p:cNvPr id="3" name="Espace réservé du numéro de diapositive 3"/>
-          <p:cNvSpPr>
-            <a:spLocks noGrp="1"/>
-          </p:cNvSpPr>
-          <p:nvPr>
-            <p:ph type="sldNum" sz="quarter" idx="12"/>
-          </p:nvPr>
-        </p:nvSpPr>
-        <p:spPr/>
-        <p:txBody>
-          <a:bodyPr/>
-          <a:lstStyle/>
-          <a:p>
-            <a:fld id="{CF4668DC-857F-487D-BFFA-8C0CA5037977}" type="slidenum">
-              <a:rPr lang="fr-BE" smtClean="0"/>
-              <a:pPr/>
-              <a:t>7</a:t>
-            </a:fld>
-            <a:endParaRPr lang="fr-BE"/>
-          </a:p>
-        </p:txBody>
-      </p:sp>
-      <p:sp>
-        <p:nvSpPr>
-          <p:cNvPr id="4" name="Line 12"/>
+          <p:cNvPr id="5" name="Line 12"/>
           <p:cNvSpPr>
             <a:spLocks noChangeShapeType="1"/>
           </p:cNvSpPr>
@@ -5101,38 +6620,6 @@
           </a:p>
         </p:txBody>
       </p:sp>
-    </p:spTree>
-  </p:cSld>
-  <p:clrMapOvr>
-    <a:masterClrMapping/>
-  </p:clrMapOvr>
-  <p:timing>
-    <p:tnLst>
-      <p:par>
-        <p:cTn id="1" dur="indefinite" restart="never" nodeType="tmRoot"/>
-      </p:par>
-    </p:tnLst>
-  </p:timing>
-</p:sld>
-</file>
-
-<file path=ppt/slides/slide8.xml><?xml version="1.0" encoding="utf-8"?>
-<p:sld xmlns:a="http://schemas.openxmlformats.org/drawingml/2006/main" xmlns:r="http://schemas.openxmlformats.org/officeDocument/2006/relationships" xmlns:p="http://schemas.openxmlformats.org/presentationml/2006/main">
-  <p:cSld>
-    <p:spTree>
-      <p:nvGrpSpPr>
-        <p:cNvPr id="1" name=""/>
-        <p:cNvGrpSpPr/>
-        <p:nvPr/>
-      </p:nvGrpSpPr>
-      <p:grpSpPr>
-        <a:xfrm>
-          <a:off x="0" y="0"/>
-          <a:ext cx="0" cy="0"/>
-          <a:chOff x="0" y="0"/>
-          <a:chExt cx="0" cy="0"/>
-        </a:xfrm>
-      </p:grpSpPr>
       <p:sp>
         <p:nvSpPr>
           <p:cNvPr id="3" name="Espace réservé du numéro de diapositive 3"/>
@@ -5151,22 +6638,60 @@
             <a:fld id="{CF4668DC-857F-487D-BFFA-8C0CA5037977}" type="slidenum">
               <a:rPr lang="fr-BE" smtClean="0"/>
               <a:pPr/>
-              <a:t>8</a:t>
+              <a:t>9</a:t>
             </a:fld>
             <a:endParaRPr lang="fr-BE"/>
           </a:p>
         </p:txBody>
       </p:sp>
+      <p:sp>
+        <p:nvSpPr>
+          <p:cNvPr id="4" name="Rectangle 3"/>
+          <p:cNvSpPr/>
+          <p:nvPr/>
+        </p:nvSpPr>
+        <p:spPr>
+          <a:xfrm>
+            <a:off x="-36512" y="116632"/>
+            <a:ext cx="9180512" cy="461665"/>
+          </a:xfrm>
+          <a:prstGeom prst="rect">
+            <a:avLst/>
+          </a:prstGeom>
+        </p:spPr>
+        <p:txBody>
+          <a:bodyPr wrap="square">
+            <a:spAutoFit/>
+          </a:bodyPr>
+          <a:lstStyle/>
+          <a:p>
+            <a:pPr algn="ctr"/>
+            <a:r>
+              <a:rPr lang="fr-FR" sz="2400" b="1" cap="small" dirty="0" smtClean="0">
+                <a:solidFill>
+                  <a:srgbClr val="92D050"/>
+                </a:solidFill>
+                <a:latin typeface="+mj-lt"/>
+                <a:ea typeface="+mj-ea"/>
+                <a:cs typeface="+mj-cs"/>
+              </a:rPr>
+              <a:t>Démonstration</a:t>
+            </a:r>
+          </a:p>
+        </p:txBody>
+      </p:sp>
       <p:pic>
         <p:nvPicPr>
-          <p:cNvPr id="20482" name="Picture 2" descr="C:\Users\BENATH~1\AppData\Local\Temp\SNAGHTML7b1e6a.PNG"/>
+          <p:cNvPr id="1026" name="Picture 2" descr="C:\Users\BENATH~1\AppData\Local\Temp\SNAGHTML788805.PNG">
+            <a:hlinkClick r:id="rId2"/>
+          </p:cNvPr>
           <p:cNvPicPr>
             <a:picLocks noChangeAspect="1" noChangeArrowheads="1"/>
           </p:cNvPicPr>
           <p:nvPr/>
         </p:nvPicPr>
         <p:blipFill>
-          <a:blip r:embed="rId2" cstate="print"/>
+          <a:blip r:embed="rId3" cstate="print"/>
           <a:srcRect/>
           <a:stretch>
             <a:fillRect/>
@@ -5174,8 +6699,8 @@
         </p:blipFill>
         <p:spPr bwMode="auto">
           <a:xfrm>
-            <a:off x="899592" y="1196752"/>
-            <a:ext cx="6715125" cy="4876801"/>
+            <a:off x="2987824" y="1844824"/>
+            <a:ext cx="3295650" cy="3257550"/>
           </a:xfrm>
           <a:prstGeom prst="rect">
             <a:avLst/>

--- a/Rendu final/Presentation.pptx
+++ b/Rendu final/Presentation.pptx
@@ -202,7 +202,7 @@
             <a:fld id="{685387C5-5303-4617-84EF-DB8CE7A690BA}" type="datetimeFigureOut">
               <a:rPr lang="fr-FR" smtClean="0"/>
               <a:pPr/>
-              <a:t>06/02/2015</a:t>
+              <a:t>09/02/2015</a:t>
             </a:fld>
             <a:endParaRPr lang="fr-FR"/>
           </a:p>
@@ -739,7 +739,7 @@
             <a:fld id="{AA309A6D-C09C-4548-B29A-6CF363A7E532}" type="datetimeFigureOut">
               <a:rPr lang="fr-FR" smtClean="0"/>
               <a:pPr/>
-              <a:t>06/02/2015</a:t>
+              <a:t>09/02/2015</a:t>
             </a:fld>
             <a:endParaRPr lang="fr-BE"/>
           </a:p>
@@ -940,7 +940,7 @@
             <a:fld id="{AA309A6D-C09C-4548-B29A-6CF363A7E532}" type="datetimeFigureOut">
               <a:rPr lang="fr-FR" smtClean="0"/>
               <a:pPr/>
-              <a:t>06/02/2015</a:t>
+              <a:t>09/02/2015</a:t>
             </a:fld>
             <a:endParaRPr lang="fr-BE"/>
           </a:p>
@@ -1132,7 +1132,7 @@
             <a:fld id="{AA309A6D-C09C-4548-B29A-6CF363A7E532}" type="datetimeFigureOut">
               <a:rPr lang="fr-FR" smtClean="0"/>
               <a:pPr/>
-              <a:t>06/02/2015</a:t>
+              <a:t>09/02/2015</a:t>
             </a:fld>
             <a:endParaRPr lang="fr-BE"/>
           </a:p>
@@ -1326,7 +1326,7 @@
             <a:fld id="{AA309A6D-C09C-4548-B29A-6CF363A7E532}" type="datetimeFigureOut">
               <a:rPr lang="fr-FR" smtClean="0"/>
               <a:pPr/>
-              <a:t>06/02/2015</a:t>
+              <a:t>09/02/2015</a:t>
             </a:fld>
             <a:endParaRPr lang="fr-BE"/>
           </a:p>
@@ -1554,7 +1554,7 @@
             <a:fld id="{AA309A6D-C09C-4548-B29A-6CF363A7E532}" type="datetimeFigureOut">
               <a:rPr lang="fr-FR" smtClean="0"/>
               <a:pPr/>
-              <a:t>06/02/2015</a:t>
+              <a:t>09/02/2015</a:t>
             </a:fld>
             <a:endParaRPr lang="fr-BE"/>
           </a:p>
@@ -1847,7 +1847,7 @@
             <a:fld id="{AA309A6D-C09C-4548-B29A-6CF363A7E532}" type="datetimeFigureOut">
               <a:rPr lang="fr-FR" smtClean="0"/>
               <a:pPr/>
-              <a:t>06/02/2015</a:t>
+              <a:t>09/02/2015</a:t>
             </a:fld>
             <a:endParaRPr lang="fr-BE"/>
           </a:p>
@@ -2280,7 +2280,7 @@
             <a:fld id="{AA309A6D-C09C-4548-B29A-6CF363A7E532}" type="datetimeFigureOut">
               <a:rPr lang="fr-FR" smtClean="0"/>
               <a:pPr/>
-              <a:t>06/02/2015</a:t>
+              <a:t>09/02/2015</a:t>
             </a:fld>
             <a:endParaRPr lang="fr-BE"/>
           </a:p>
@@ -2408,7 +2408,7 @@
             <a:fld id="{AA309A6D-C09C-4548-B29A-6CF363A7E532}" type="datetimeFigureOut">
               <a:rPr lang="fr-FR" smtClean="0"/>
               <a:pPr/>
-              <a:t>06/02/2015</a:t>
+              <a:t>09/02/2015</a:t>
             </a:fld>
             <a:endParaRPr lang="fr-BE"/>
           </a:p>
@@ -2513,7 +2513,7 @@
             <a:fld id="{AA309A6D-C09C-4548-B29A-6CF363A7E532}" type="datetimeFigureOut">
               <a:rPr lang="fr-FR" smtClean="0"/>
               <a:pPr/>
-              <a:t>06/02/2015</a:t>
+              <a:t>09/02/2015</a:t>
             </a:fld>
             <a:endParaRPr lang="fr-BE"/>
           </a:p>
@@ -2784,7 +2784,7 @@
             <a:fld id="{AA309A6D-C09C-4548-B29A-6CF363A7E532}" type="datetimeFigureOut">
               <a:rPr lang="fr-FR" smtClean="0"/>
               <a:pPr/>
-              <a:t>06/02/2015</a:t>
+              <a:t>09/02/2015</a:t>
             </a:fld>
             <a:endParaRPr lang="fr-BE"/>
           </a:p>
@@ -3150,7 +3150,7 @@
             <a:fld id="{AA309A6D-C09C-4548-B29A-6CF363A7E532}" type="datetimeFigureOut">
               <a:rPr lang="fr-FR" smtClean="0"/>
               <a:pPr/>
-              <a:t>06/02/2015</a:t>
+              <a:t>09/02/2015</a:t>
             </a:fld>
             <a:endParaRPr lang="fr-BE"/>
           </a:p>
@@ -3507,7 +3507,7 @@
             <a:fld id="{AA309A6D-C09C-4548-B29A-6CF363A7E532}" type="datetimeFigureOut">
               <a:rPr lang="fr-FR" smtClean="0"/>
               <a:pPr/>
-              <a:t>06/02/2015</a:t>
+              <a:t>09/02/2015</a:t>
             </a:fld>
             <a:endParaRPr lang="fr-BE"/>
           </a:p>
@@ -4046,6 +4046,9 @@
           <a:p>
             <a:r>
               <a:rPr lang="fr-FR" b="1" u="sng" cap="small" dirty="0" smtClean="0">
+                <a:solidFill>
+                  <a:schemeClr val="bg1"/>
+                </a:solidFill>
                 <a:latin typeface="+mj-lt"/>
                 <a:ea typeface="+mj-ea"/>
                 <a:cs typeface="+mj-cs"/>
@@ -4071,6 +4074,9 @@
             </a:r>
             <a:r>
               <a:rPr lang="fr-FR" b="1" cap="small" dirty="0" smtClean="0">
+                <a:solidFill>
+                  <a:schemeClr val="bg1"/>
+                </a:solidFill>
                 <a:latin typeface="+mj-lt"/>
                 <a:ea typeface="+mj-ea"/>
                 <a:cs typeface="+mj-cs"/>
@@ -4090,6 +4096,9 @@
             </a:r>
             <a:r>
               <a:rPr lang="fr-FR" b="1" cap="small" dirty="0" smtClean="0">
+                <a:solidFill>
+                  <a:schemeClr val="bg1"/>
+                </a:solidFill>
                 <a:latin typeface="+mj-lt"/>
                 <a:ea typeface="+mj-ea"/>
                 <a:cs typeface="+mj-cs"/>
@@ -4126,6 +4135,9 @@
             </a:r>
             <a:r>
               <a:rPr lang="fr-FR" b="1" cap="small" dirty="0" smtClean="0">
+                <a:solidFill>
+                  <a:schemeClr val="bg1"/>
+                </a:solidFill>
                 <a:latin typeface="+mj-lt"/>
                 <a:ea typeface="+mj-ea"/>
                 <a:cs typeface="+mj-cs"/>
@@ -4145,6 +4157,9 @@
             </a:r>
             <a:r>
               <a:rPr lang="fr-FR" b="1" cap="small" dirty="0" smtClean="0">
+                <a:solidFill>
+                  <a:schemeClr val="bg1"/>
+                </a:solidFill>
                 <a:latin typeface="+mj-lt"/>
                 <a:ea typeface="+mj-ea"/>
                 <a:cs typeface="+mj-cs"/>
@@ -4192,16 +4207,31 @@
               <a:rPr lang="fr-FR" sz="1400" b="1" dirty="0" smtClean="0">
                 <a:cs typeface="Tahoma" pitchFamily="34" charset="0"/>
               </a:rPr>
-              <a:t>		Année univers</a:t>
+              <a:t>		</a:t>
+            </a:r>
+            <a:r>
+              <a:rPr lang="fr-FR" sz="1400" b="1" dirty="0" smtClean="0">
+                <a:solidFill>
+                  <a:schemeClr val="bg1"/>
+                </a:solidFill>
+                <a:cs typeface="Tahoma" pitchFamily="34" charset="0"/>
+              </a:rPr>
+              <a:t>Année univers</a:t>
             </a:r>
             <a:r>
               <a:rPr lang="fr-FR" sz="1400" dirty="0" smtClean="0">
+                <a:solidFill>
+                  <a:schemeClr val="bg1"/>
+                </a:solidFill>
                 <a:cs typeface="Tahoma" pitchFamily="34" charset="0"/>
               </a:rPr>
               <a:t>i</a:t>
             </a:r>
             <a:r>
               <a:rPr lang="fr-FR" sz="1400" b="1" dirty="0" smtClean="0">
+                <a:solidFill>
+                  <a:schemeClr val="bg1"/>
+                </a:solidFill>
                 <a:cs typeface="Tahoma" pitchFamily="34" charset="0"/>
               </a:rPr>
               <a:t>taire : </a:t>
@@ -4320,30 +4350,6 @@
           <a:chExt cx="0" cy="0"/>
         </a:xfrm>
       </p:grpSpPr>
-      <p:sp>
-        <p:nvSpPr>
-          <p:cNvPr id="3" name="Espace réservé du numéro de diapositive 3"/>
-          <p:cNvSpPr>
-            <a:spLocks noGrp="1"/>
-          </p:cNvSpPr>
-          <p:nvPr>
-            <p:ph type="sldNum" sz="quarter" idx="12"/>
-          </p:nvPr>
-        </p:nvSpPr>
-        <p:spPr/>
-        <p:txBody>
-          <a:bodyPr/>
-          <a:lstStyle/>
-          <a:p>
-            <a:fld id="{CF4668DC-857F-487D-BFFA-8C0CA5037977}" type="slidenum">
-              <a:rPr lang="fr-BE" smtClean="0"/>
-              <a:pPr/>
-              <a:t>10</a:t>
-            </a:fld>
-            <a:endParaRPr lang="fr-BE"/>
-          </a:p>
-        </p:txBody>
-      </p:sp>
       <p:pic>
         <p:nvPicPr>
           <p:cNvPr id="20482" name="Picture 2" descr="C:\Users\BENATH~1\AppData\Local\Temp\SNAGHTML7b1e6a.PNG"/>
@@ -4421,24 +4427,16 @@
           <a:p>
             <a:r>
               <a:rPr lang="fr-FR" dirty="0" smtClean="0"/>
-              <a:t>Dans le cadre du mini projet </a:t>
-            </a:r>
+              <a:t>Dans le cadre du mini projet Module Web sémantique </a:t>
+            </a:r>
+          </a:p>
+          <a:p>
+            <a:endParaRPr lang="fr-FR" dirty="0" smtClean="0"/>
+          </a:p>
+          <a:p>
             <a:r>
               <a:rPr lang="fr-FR" dirty="0" smtClean="0"/>
-              <a:t>Module Web sémantique </a:t>
-            </a:r>
-          </a:p>
-          <a:p>
-            <a:endParaRPr lang="fr-FR" dirty="0" smtClean="0"/>
-          </a:p>
-          <a:p>
-            <a:r>
-              <a:rPr lang="fr-FR" dirty="0" smtClean="0"/>
-              <a:t>Le </a:t>
-            </a:r>
-            <a:r>
-              <a:rPr lang="fr-FR" dirty="0" smtClean="0"/>
-              <a:t>sujet est intitulé : “</a:t>
+              <a:t>Le sujet est intitulé : “</a:t>
             </a:r>
             <a:r>
               <a:rPr lang="fr-FR" b="1" dirty="0" smtClean="0"/>
@@ -4455,29 +4453,13 @@
           <a:p>
             <a:r>
               <a:rPr lang="fr-FR" dirty="0" smtClean="0"/>
-              <a:t>Les </a:t>
-            </a:r>
+              <a:t>Les standards du web : HTML, CSS</a:t>
+            </a:r>
+          </a:p>
+          <a:p>
             <a:r>
               <a:rPr lang="fr-FR" dirty="0" smtClean="0"/>
-              <a:t>standards du web : HTML, </a:t>
-            </a:r>
-            <a:r>
-              <a:rPr lang="fr-FR" dirty="0" smtClean="0"/>
-              <a:t>CSS</a:t>
-            </a:r>
-          </a:p>
-          <a:p>
-            <a:r>
-              <a:rPr lang="fr-FR" dirty="0" smtClean="0"/>
-              <a:t>Les </a:t>
-            </a:r>
-            <a:r>
-              <a:rPr lang="fr-FR" dirty="0" smtClean="0"/>
-              <a:t>standards du web sémantique : RDF, SPARQL, SKOS et OWL</a:t>
-            </a:r>
-            <a:r>
-              <a:rPr lang="fr-FR" dirty="0" smtClean="0"/>
-              <a:t>.</a:t>
+              <a:t>Les standards du web sémantique : RDF, SPARQL, SKOS et OWL.</a:t>
             </a:r>
           </a:p>
         </p:txBody>
@@ -4492,17 +4474,30 @@
             <p:ph type="sldNum" sz="quarter" idx="12"/>
           </p:nvPr>
         </p:nvSpPr>
-        <p:spPr/>
+        <p:spPr>
+          <a:xfrm>
+            <a:off x="8388424" y="6309320"/>
+            <a:ext cx="588336" cy="228600"/>
+          </a:xfrm>
+        </p:spPr>
         <p:txBody>
           <a:bodyPr/>
           <a:lstStyle/>
           <a:p>
             <a:fld id="{CF4668DC-857F-487D-BFFA-8C0CA5037977}" type="slidenum">
-              <a:rPr lang="fr-BE" smtClean="0"/>
+              <a:rPr lang="fr-BE" sz="2000" b="1" smtClean="0">
+                <a:solidFill>
+                  <a:schemeClr val="bg1"/>
+                </a:solidFill>
+              </a:rPr>
               <a:pPr/>
               <a:t>2</a:t>
             </a:fld>
-            <a:endParaRPr lang="fr-BE"/>
+            <a:endParaRPr lang="fr-BE" sz="2000" b="1" dirty="0">
+              <a:solidFill>
+                <a:schemeClr val="bg1"/>
+              </a:solidFill>
+            </a:endParaRPr>
           </a:p>
         </p:txBody>
       </p:sp>
@@ -4647,11 +4642,7 @@
           <a:p>
             <a:r>
               <a:rPr lang="fr-FR" dirty="0" smtClean="0"/>
-              <a:t>Notre application</a:t>
-            </a:r>
-            <a:r>
-              <a:rPr lang="fr-FR" dirty="0" smtClean="0"/>
-              <a:t>:</a:t>
+              <a:t>Notre application:</a:t>
             </a:r>
           </a:p>
           <a:p>
@@ -4711,21 +4702,8 @@
                   <a:schemeClr val="tx1"/>
                 </a:solidFill>
               </a:rPr>
-              <a:t>Standards </a:t>
-            </a:r>
-            <a:r>
-              <a:rPr lang="fr-FR" sz="2600" dirty="0" smtClean="0">
-                <a:solidFill>
-                  <a:schemeClr val="tx1"/>
-                </a:solidFill>
-              </a:rPr>
-              <a:t>Utilisés: </a:t>
-            </a:r>
-            <a:endParaRPr lang="fr-FR" sz="2600" dirty="0" smtClean="0">
-              <a:solidFill>
-                <a:schemeClr val="tx1"/>
-              </a:solidFill>
-            </a:endParaRPr>
+              <a:t>Standards Utilisés: </a:t>
+            </a:r>
           </a:p>
           <a:p>
             <a:pPr lvl="1"/>
@@ -4898,6 +4876,95 @@
           <a:lstStyle/>
           <a:p>
             <a:endParaRPr lang="fr-FR"/>
+          </a:p>
+        </p:txBody>
+      </p:sp>
+      <p:sp>
+        <p:nvSpPr>
+          <p:cNvPr id="9" name="Espace réservé du numéro de diapositive 3"/>
+          <p:cNvSpPr txBox="1">
+            <a:spLocks/>
+          </p:cNvSpPr>
+          <p:nvPr/>
+        </p:nvSpPr>
+        <p:spPr>
+          <a:xfrm>
+            <a:off x="8388424" y="6309320"/>
+            <a:ext cx="588336" cy="228600"/>
+          </a:xfrm>
+          <a:prstGeom prst="rect">
+            <a:avLst/>
+          </a:prstGeom>
+        </p:spPr>
+        <p:txBody>
+          <a:bodyPr vert="horz" lIns="0" tIns="0" rIns="0" bIns="0" anchor="b"/>
+          <a:lstStyle/>
+          <a:p>
+            <a:pPr marL="0" marR="0" lvl="0" indent="0" algn="r" defTabSz="914400" rtl="0" eaLnBrk="1" fontAlgn="auto" latinLnBrk="0" hangingPunct="1">
+              <a:lnSpc>
+                <a:spcPct val="100000"/>
+              </a:lnSpc>
+              <a:spcBef>
+                <a:spcPts val="0"/>
+              </a:spcBef>
+              <a:spcAft>
+                <a:spcPts val="0"/>
+              </a:spcAft>
+              <a:buClrTx/>
+              <a:buSzTx/>
+              <a:buFontTx/>
+              <a:buNone/>
+              <a:tabLst/>
+              <a:defRPr/>
+            </a:pPr>
+            <a:fld id="{CF4668DC-857F-487D-BFFA-8C0CA5037977}" type="slidenum">
+              <a:rPr kumimoji="0" lang="fr-BE" sz="2000" b="1" i="0" u="none" strike="noStrike" kern="1200" cap="none" spc="0" normalizeH="0" baseline="0" noProof="0" smtClean="0">
+                <a:ln>
+                  <a:noFill/>
+                </a:ln>
+                <a:solidFill>
+                  <a:schemeClr val="bg1"/>
+                </a:solidFill>
+                <a:effectLst/>
+                <a:uLnTx/>
+                <a:uFillTx/>
+                <a:latin typeface="+mn-lt"/>
+                <a:ea typeface="+mn-ea"/>
+                <a:cs typeface="+mn-cs"/>
+              </a:rPr>
+              <a:pPr marL="0" marR="0" lvl="0" indent="0" algn="r" defTabSz="914400" rtl="0" eaLnBrk="1" fontAlgn="auto" latinLnBrk="0" hangingPunct="1">
+                <a:lnSpc>
+                  <a:spcPct val="100000"/>
+                </a:lnSpc>
+                <a:spcBef>
+                  <a:spcPts val="0"/>
+                </a:spcBef>
+                <a:spcAft>
+                  <a:spcPts val="0"/>
+                </a:spcAft>
+                <a:buClrTx/>
+                <a:buSzTx/>
+                <a:buFontTx/>
+                <a:buNone/>
+                <a:tabLst/>
+                <a:defRPr/>
+              </a:pPr>
+              <a:t>3</a:t>
+            </a:fld>
+            <a:endParaRPr kumimoji="0" lang="fr-BE" sz="2000" b="1" i="0" u="none" strike="noStrike" kern="1200" cap="none" spc="0" normalizeH="0" baseline="0" noProof="0" dirty="0">
+              <a:ln>
+                <a:noFill/>
+              </a:ln>
+              <a:solidFill>
+                <a:schemeClr val="bg1"/>
+              </a:solidFill>
+              <a:effectLst/>
+              <a:uLnTx/>
+              <a:uFillTx/>
+              <a:latin typeface="+mn-lt"/>
+              <a:ea typeface="+mn-ea"/>
+              <a:cs typeface="+mn-cs"/>
+            </a:endParaRPr>
           </a:p>
         </p:txBody>
       </p:sp>
@@ -4966,14 +5033,6 @@
               </a:rPr>
               <a:t>Ontologie </a:t>
             </a:r>
-            <a:endParaRPr lang="fr-FR" sz="2400" b="1" cap="small" dirty="0" smtClean="0">
-              <a:solidFill>
-                <a:srgbClr val="92D050"/>
-              </a:solidFill>
-              <a:latin typeface="+mj-lt"/>
-              <a:ea typeface="+mj-ea"/>
-              <a:cs typeface="+mj-cs"/>
-            </a:endParaRPr>
           </a:p>
           <a:p>
             <a:pPr algn="ctr"/>
@@ -4986,18 +5045,7 @@
                 <a:ea typeface="+mj-ea"/>
                 <a:cs typeface="+mj-cs"/>
               </a:rPr>
-              <a:t>tourisme</a:t>
-            </a:r>
-            <a:r>
-              <a:rPr lang="fr-FR" sz="2400" b="1" cap="small" dirty="0" smtClean="0">
-                <a:solidFill>
-                  <a:srgbClr val="92D050"/>
-                </a:solidFill>
-                <a:latin typeface="+mj-lt"/>
-                <a:ea typeface="+mj-ea"/>
-                <a:cs typeface="+mj-cs"/>
-              </a:rPr>
-              <a:t>: </a:t>
+              <a:t>tourisme: </a:t>
             </a:r>
             <a:r>
               <a:rPr lang="fr-FR" sz="2400" b="1" cap="small" dirty="0" smtClean="0">
@@ -5009,31 +5057,7 @@
                 <a:cs typeface="+mj-cs"/>
                 <a:hlinkClick r:id="rId2"/>
               </a:rPr>
-              <a:t>http</a:t>
-            </a:r>
-            <a:r>
-              <a:rPr lang="fr-FR" sz="2400" b="1" cap="small" dirty="0" smtClean="0">
-                <a:solidFill>
-                  <a:srgbClr val="92D050"/>
-                </a:solidFill>
-                <a:latin typeface="+mj-lt"/>
-                <a:ea typeface="+mj-ea"/>
-                <a:cs typeface="+mj-cs"/>
-                <a:hlinkClick r:id="rId2"/>
-              </a:rPr>
-              <a:t>://www.polytech.semantique/tourisme</a:t>
-            </a:r>
-            <a:r>
-              <a:rPr lang="fr-FR" sz="2400" b="1" cap="small" dirty="0" smtClean="0">
-                <a:solidFill>
-                  <a:srgbClr val="92D050"/>
-                </a:solidFill>
-                <a:latin typeface="+mj-lt"/>
-                <a:ea typeface="+mj-ea"/>
-                <a:cs typeface="+mj-cs"/>
-                <a:hlinkClick r:id="rId2"/>
-              </a:rPr>
-              <a:t>#</a:t>
+              <a:t>http://www.polytech.semantique/tourisme#</a:t>
             </a:r>
             <a:endParaRPr lang="fr-FR" sz="2400" b="1" cap="small" dirty="0" smtClean="0">
               <a:solidFill>
@@ -5104,21 +5128,58 @@
           <p:nvPr/>
         </p:nvPicPr>
         <p:blipFill>
-          <a:blip r:embed="rId3"/>
+          <a:blip r:embed="rId3" cstate="print"/>
           <a:stretch>
             <a:fillRect/>
           </a:stretch>
         </p:blipFill>
         <p:spPr>
           <a:xfrm>
-            <a:off x="1142976" y="1714488"/>
-            <a:ext cx="6000792" cy="4324350"/>
+            <a:off x="899592" y="1484784"/>
+            <a:ext cx="6381352" cy="4598593"/>
           </a:xfrm>
           <a:prstGeom prst="rect">
             <a:avLst/>
           </a:prstGeom>
         </p:spPr>
       </p:pic>
+      <p:sp>
+        <p:nvSpPr>
+          <p:cNvPr id="7" name="Espace réservé du numéro de diapositive 3"/>
+          <p:cNvSpPr>
+            <a:spLocks noGrp="1"/>
+          </p:cNvSpPr>
+          <p:nvPr>
+            <p:ph type="sldNum" sz="quarter" idx="12"/>
+          </p:nvPr>
+        </p:nvSpPr>
+        <p:spPr>
+          <a:xfrm>
+            <a:off x="8388424" y="6309320"/>
+            <a:ext cx="588336" cy="228600"/>
+          </a:xfrm>
+        </p:spPr>
+        <p:txBody>
+          <a:bodyPr/>
+          <a:lstStyle/>
+          <a:p>
+            <a:fld id="{CF4668DC-857F-487D-BFFA-8C0CA5037977}" type="slidenum">
+              <a:rPr lang="fr-BE" sz="2000" b="1" smtClean="0">
+                <a:solidFill>
+                  <a:schemeClr val="bg1"/>
+                </a:solidFill>
+              </a:rPr>
+              <a:pPr/>
+              <a:t>4</a:t>
+            </a:fld>
+            <a:endParaRPr lang="fr-BE" sz="2000" b="1" dirty="0">
+              <a:solidFill>
+                <a:schemeClr val="bg1"/>
+              </a:solidFill>
+            </a:endParaRPr>
+          </a:p>
+        </p:txBody>
+      </p:sp>
     </p:spTree>
   </p:cSld>
   <p:clrMapOvr>
@@ -5188,11 +5249,7 @@
             </a:pPr>
             <a:r>
               <a:rPr lang="fr-FR" dirty="0" smtClean="0"/>
-              <a:t>Données </a:t>
-            </a:r>
-            <a:r>
-              <a:rPr lang="fr-FR" dirty="0" smtClean="0"/>
-              <a:t>de </a:t>
+              <a:t>Données de </a:t>
             </a:r>
             <a:r>
               <a:rPr lang="fr-FR" dirty="0" err="1" smtClean="0"/>
@@ -5200,15 +5257,7 @@
             </a:r>
             <a:r>
               <a:rPr lang="fr-FR" dirty="0" smtClean="0"/>
-              <a:t> </a:t>
-            </a:r>
-            <a:r>
-              <a:rPr lang="fr-FR" dirty="0" smtClean="0"/>
-              <a:t> : mettant </a:t>
-            </a:r>
-            <a:r>
-              <a:rPr lang="fr-FR" dirty="0" smtClean="0"/>
-              <a:t>en évidence l’aspect </a:t>
+              <a:t>  : mettant en évidence l’aspect </a:t>
             </a:r>
             <a:r>
               <a:rPr lang="fr-FR" dirty="0" err="1" smtClean="0"/>
@@ -5216,26 +5265,14 @@
             </a:r>
             <a:r>
               <a:rPr lang="fr-FR" dirty="0" smtClean="0"/>
-              <a:t> Data du web </a:t>
-            </a:r>
+              <a:t> Data du web sémantique </a:t>
+            </a:r>
+          </a:p>
+          <a:p>
+            <a:pPr lvl="1"/>
             <a:r>
               <a:rPr lang="fr-FR" dirty="0" smtClean="0"/>
-              <a:t>sémantique </a:t>
-            </a:r>
-          </a:p>
-          <a:p>
-            <a:pPr lvl="1"/>
-            <a:r>
-              <a:rPr lang="fr-FR" dirty="0" smtClean="0"/>
-              <a:t>décrivant </a:t>
-            </a:r>
-            <a:r>
-              <a:rPr lang="fr-FR" dirty="0" smtClean="0"/>
-              <a:t>les viles et ses monuments</a:t>
-            </a:r>
-            <a:r>
-              <a:rPr lang="fr-FR" dirty="0" smtClean="0"/>
-              <a:t>.</a:t>
+              <a:t>décrivant les viles et ses monuments.</a:t>
             </a:r>
           </a:p>
           <a:p>
@@ -5249,38 +5286,21 @@
             </a:pPr>
             <a:r>
               <a:rPr lang="fr-FR" dirty="0" smtClean="0"/>
-              <a:t>Données </a:t>
-            </a:r>
+              <a:t>Données en format CSV. </a:t>
+            </a:r>
+          </a:p>
+          <a:p>
+            <a:pPr lvl="1"/>
             <a:r>
               <a:rPr lang="fr-FR" dirty="0" smtClean="0"/>
-              <a:t>en format CSV. </a:t>
-            </a:r>
-            <a:endParaRPr lang="fr-FR" dirty="0" smtClean="0"/>
+              <a:t>décrivent les vols, les hôtels , les restaurants , les agences de location. </a:t>
+            </a:r>
           </a:p>
           <a:p>
             <a:pPr lvl="1"/>
             <a:r>
               <a:rPr lang="fr-FR" dirty="0" smtClean="0"/>
-              <a:t>décrivent </a:t>
-            </a:r>
-            <a:r>
-              <a:rPr lang="fr-FR" dirty="0" smtClean="0"/>
-              <a:t>les vols, les hôtels , les restaurants , les agences de location. </a:t>
-            </a:r>
-          </a:p>
-          <a:p>
-            <a:pPr lvl="1"/>
-            <a:r>
-              <a:rPr lang="fr-FR" dirty="0" smtClean="0"/>
-              <a:t>construites </a:t>
-            </a:r>
-            <a:r>
-              <a:rPr lang="fr-FR" dirty="0" smtClean="0"/>
-              <a:t>de deux façon différentes </a:t>
-            </a:r>
-            <a:r>
-              <a:rPr lang="fr-FR" dirty="0" smtClean="0"/>
-              <a:t>:</a:t>
+              <a:t>construites de deux façon différentes :</a:t>
             </a:r>
           </a:p>
           <a:p>
@@ -5294,15 +5314,7 @@
             </a:pPr>
             <a:r>
               <a:rPr lang="fr-FR" dirty="0" smtClean="0"/>
-              <a:t>Pour les hôtels , les restaurants , les données </a:t>
-            </a:r>
-            <a:r>
-              <a:rPr lang="fr-FR" dirty="0" smtClean="0"/>
-              <a:t> récupérées </a:t>
-            </a:r>
-            <a:r>
-              <a:rPr lang="fr-FR" dirty="0" smtClean="0"/>
-              <a:t>du site le plus connu du tourisme “</a:t>
+              <a:t>Pour les hôtels , les restaurants , les données  récupérées du site le plus connu du tourisme “</a:t>
             </a:r>
             <a:r>
               <a:rPr lang="fr-FR" dirty="0" err="1" smtClean="0"/>
@@ -5310,15 +5322,7 @@
             </a:r>
             <a:r>
               <a:rPr lang="fr-FR" dirty="0" smtClean="0"/>
-              <a:t> “ </a:t>
-            </a:r>
-            <a:r>
-              <a:rPr lang="fr-FR" dirty="0" smtClean="0"/>
-              <a:t>avec un crawler </a:t>
-            </a:r>
-            <a:r>
-              <a:rPr lang="fr-FR" dirty="0" smtClean="0"/>
-              <a:t>est développé en utilisant PHP (en s’inspirant du  projet de l’année dernière avec madame Elena </a:t>
+              <a:t> “ avec un crawler est développé en utilisant PHP (en s’inspirant du  projet de l’année dernière avec madame Elena </a:t>
             </a:r>
             <a:r>
               <a:rPr lang="fr-FR" dirty="0" err="1" smtClean="0"/>
@@ -5328,7 +5332,6 @@
               <a:rPr lang="fr-FR" dirty="0" smtClean="0"/>
               <a:t>). </a:t>
             </a:r>
-            <a:endParaRPr lang="fr-FR" dirty="0" smtClean="0"/>
           </a:p>
           <a:p>
             <a:pPr lvl="2">
@@ -5344,19 +5347,7 @@
             </a:pPr>
             <a:r>
               <a:rPr lang="fr-FR" dirty="0" smtClean="0"/>
-              <a:t>Pour </a:t>
-            </a:r>
-            <a:r>
-              <a:rPr lang="fr-FR" dirty="0" smtClean="0"/>
-              <a:t>les vols et les </a:t>
-            </a:r>
-            <a:r>
-              <a:rPr lang="fr-FR" dirty="0" smtClean="0"/>
-              <a:t>agence, </a:t>
-            </a:r>
-            <a:r>
-              <a:rPr lang="fr-FR" dirty="0" smtClean="0"/>
-              <a:t>nous avons définit les fichier CSV manuellement.</a:t>
+              <a:t>Pour les vols et les agence, nous avons définit les fichier CSV manuellement.</a:t>
             </a:r>
           </a:p>
           <a:p>
@@ -5377,37 +5368,8 @@
             </a:r>
             <a:r>
               <a:rPr lang="fr-FR" dirty="0" smtClean="0"/>
-              <a:t>modèle RDF construit en </a:t>
-            </a:r>
-            <a:r>
-              <a:rPr lang="fr-FR" dirty="0" smtClean="0"/>
-              <a:t>utilisant un programme java développé avec le projet apache Jena.  </a:t>
-            </a:r>
-            <a:endParaRPr lang="fr-FR" dirty="0" smtClean="0"/>
-          </a:p>
-        </p:txBody>
-      </p:sp>
-      <p:sp>
-        <p:nvSpPr>
-          <p:cNvPr id="3" name="Espace réservé du numéro de diapositive 3"/>
-          <p:cNvSpPr>
-            <a:spLocks noGrp="1"/>
-          </p:cNvSpPr>
-          <p:nvPr>
-            <p:ph type="sldNum" sz="quarter" idx="12"/>
-          </p:nvPr>
-        </p:nvSpPr>
-        <p:spPr/>
-        <p:txBody>
-          <a:bodyPr/>
-          <a:lstStyle/>
-          <a:p>
-            <a:fld id="{CF4668DC-857F-487D-BFFA-8C0CA5037977}" type="slidenum">
-              <a:rPr lang="fr-BE" smtClean="0"/>
-              <a:pPr/>
-              <a:t>5</a:t>
-            </a:fld>
-            <a:endParaRPr lang="fr-BE"/>
+              <a:t>modèle RDF construit en utilisant un programme java développé avec le projet apache Jena.  </a:t>
+            </a:r>
           </a:p>
         </p:txBody>
       </p:sp>
@@ -5444,14 +5406,6 @@
               </a:rPr>
               <a:t>Construction du Modèle RDF </a:t>
             </a:r>
-            <a:endParaRPr lang="fr-FR" sz="2400" b="1" cap="small" dirty="0" smtClean="0">
-              <a:solidFill>
-                <a:srgbClr val="92D050"/>
-              </a:solidFill>
-              <a:latin typeface="+mj-lt"/>
-              <a:ea typeface="+mj-ea"/>
-              <a:cs typeface="+mj-cs"/>
-            </a:endParaRPr>
           </a:p>
         </p:txBody>
       </p:sp>
@@ -5501,6 +5455,95 @@
           <a:lstStyle/>
           <a:p>
             <a:endParaRPr lang="fr-FR"/>
+          </a:p>
+        </p:txBody>
+      </p:sp>
+      <p:sp>
+        <p:nvSpPr>
+          <p:cNvPr id="8" name="Espace réservé du numéro de diapositive 3"/>
+          <p:cNvSpPr txBox="1">
+            <a:spLocks/>
+          </p:cNvSpPr>
+          <p:nvPr/>
+        </p:nvSpPr>
+        <p:spPr>
+          <a:xfrm>
+            <a:off x="8388424" y="6309320"/>
+            <a:ext cx="588336" cy="228600"/>
+          </a:xfrm>
+          <a:prstGeom prst="rect">
+            <a:avLst/>
+          </a:prstGeom>
+        </p:spPr>
+        <p:txBody>
+          <a:bodyPr vert="horz" lIns="0" tIns="0" rIns="0" bIns="0" anchor="b"/>
+          <a:lstStyle/>
+          <a:p>
+            <a:pPr marL="0" marR="0" lvl="0" indent="0" algn="r" defTabSz="914400" rtl="0" eaLnBrk="1" fontAlgn="auto" latinLnBrk="0" hangingPunct="1">
+              <a:lnSpc>
+                <a:spcPct val="100000"/>
+              </a:lnSpc>
+              <a:spcBef>
+                <a:spcPts val="0"/>
+              </a:spcBef>
+              <a:spcAft>
+                <a:spcPts val="0"/>
+              </a:spcAft>
+              <a:buClrTx/>
+              <a:buSzTx/>
+              <a:buFontTx/>
+              <a:buNone/>
+              <a:tabLst/>
+              <a:defRPr/>
+            </a:pPr>
+            <a:fld id="{CF4668DC-857F-487D-BFFA-8C0CA5037977}" type="slidenum">
+              <a:rPr kumimoji="0" lang="fr-BE" sz="2000" b="1" i="0" u="none" strike="noStrike" kern="1200" cap="none" spc="0" normalizeH="0" baseline="0" noProof="0" smtClean="0">
+                <a:ln>
+                  <a:noFill/>
+                </a:ln>
+                <a:solidFill>
+                  <a:schemeClr val="bg1"/>
+                </a:solidFill>
+                <a:effectLst/>
+                <a:uLnTx/>
+                <a:uFillTx/>
+                <a:latin typeface="+mn-lt"/>
+                <a:ea typeface="+mn-ea"/>
+                <a:cs typeface="+mn-cs"/>
+              </a:rPr>
+              <a:pPr marL="0" marR="0" lvl="0" indent="0" algn="r" defTabSz="914400" rtl="0" eaLnBrk="1" fontAlgn="auto" latinLnBrk="0" hangingPunct="1">
+                <a:lnSpc>
+                  <a:spcPct val="100000"/>
+                </a:lnSpc>
+                <a:spcBef>
+                  <a:spcPts val="0"/>
+                </a:spcBef>
+                <a:spcAft>
+                  <a:spcPts val="0"/>
+                </a:spcAft>
+                <a:buClrTx/>
+                <a:buSzTx/>
+                <a:buFontTx/>
+                <a:buNone/>
+                <a:tabLst/>
+                <a:defRPr/>
+              </a:pPr>
+              <a:t>5</a:t>
+            </a:fld>
+            <a:endParaRPr kumimoji="0" lang="fr-BE" sz="2000" b="1" i="0" u="none" strike="noStrike" kern="1200" cap="none" spc="0" normalizeH="0" baseline="0" noProof="0" dirty="0">
+              <a:ln>
+                <a:noFill/>
+              </a:ln>
+              <a:solidFill>
+                <a:schemeClr val="bg1"/>
+              </a:solidFill>
+              <a:effectLst/>
+              <a:uLnTx/>
+              <a:uFillTx/>
+              <a:latin typeface="+mn-lt"/>
+              <a:ea typeface="+mn-ea"/>
+              <a:cs typeface="+mn-cs"/>
+            </a:endParaRPr>
           </a:p>
         </p:txBody>
       </p:sp>
@@ -5627,7 +5670,7 @@
             </a:r>
           </a:p>
           <a:p>
-            <a:pPr lvl="2">
+            <a:pPr lvl="3">
               <a:buNone/>
             </a:pPr>
             <a:r>
@@ -5653,7 +5696,7 @@
             </a:r>
           </a:p>
           <a:p>
-            <a:pPr lvl="2">
+            <a:pPr lvl="3">
               <a:buNone/>
             </a:pPr>
             <a:r>
@@ -5675,7 +5718,7 @@
             <a:endParaRPr lang="en-US" dirty="0" smtClean="0"/>
           </a:p>
           <a:p>
-            <a:pPr lvl="2">
+            <a:pPr lvl="3">
               <a:buNone/>
             </a:pPr>
             <a:r>
@@ -5692,7 +5735,7 @@
             </a:r>
           </a:p>
           <a:p>
-            <a:pPr lvl="2">
+            <a:pPr lvl="3">
               <a:buNone/>
             </a:pPr>
             <a:r>
@@ -5709,7 +5752,7 @@
             </a:r>
           </a:p>
           <a:p>
-            <a:pPr lvl="2">
+            <a:pPr lvl="3">
               <a:buNone/>
             </a:pPr>
             <a:r>
@@ -5778,30 +5821,6 @@
               <a:rPr lang="en-US" dirty="0" smtClean="0"/>
             </a:br>
             <a:endParaRPr lang="en-US" dirty="0"/>
-          </a:p>
-        </p:txBody>
-      </p:sp>
-      <p:sp>
-        <p:nvSpPr>
-          <p:cNvPr id="3" name="Espace réservé du numéro de diapositive 3"/>
-          <p:cNvSpPr>
-            <a:spLocks noGrp="1"/>
-          </p:cNvSpPr>
-          <p:nvPr>
-            <p:ph type="sldNum" sz="quarter" idx="12"/>
-          </p:nvPr>
-        </p:nvSpPr>
-        <p:spPr/>
-        <p:txBody>
-          <a:bodyPr/>
-          <a:lstStyle/>
-          <a:p>
-            <a:fld id="{CF4668DC-857F-487D-BFFA-8C0CA5037977}" type="slidenum">
-              <a:rPr lang="fr-BE" smtClean="0"/>
-              <a:pPr/>
-              <a:t>6</a:t>
-            </a:fld>
-            <a:endParaRPr lang="fr-BE"/>
           </a:p>
         </p:txBody>
       </p:sp>
@@ -5887,13 +5906,94 @@
               </a:rPr>
               <a:t>Exemple de règle d’inférence</a:t>
             </a:r>
-            <a:endParaRPr lang="fr-FR" sz="2400" b="1" cap="small" dirty="0" smtClean="0">
+          </a:p>
+        </p:txBody>
+      </p:sp>
+      <p:sp>
+        <p:nvSpPr>
+          <p:cNvPr id="8" name="Espace réservé du numéro de diapositive 3"/>
+          <p:cNvSpPr txBox="1">
+            <a:spLocks/>
+          </p:cNvSpPr>
+          <p:nvPr/>
+        </p:nvSpPr>
+        <p:spPr>
+          <a:xfrm>
+            <a:off x="8388424" y="6309320"/>
+            <a:ext cx="588336" cy="228600"/>
+          </a:xfrm>
+          <a:prstGeom prst="rect">
+            <a:avLst/>
+          </a:prstGeom>
+        </p:spPr>
+        <p:txBody>
+          <a:bodyPr vert="horz" lIns="0" tIns="0" rIns="0" bIns="0" anchor="b"/>
+          <a:lstStyle/>
+          <a:p>
+            <a:pPr marL="0" marR="0" lvl="0" indent="0" algn="r" defTabSz="914400" rtl="0" eaLnBrk="1" fontAlgn="auto" latinLnBrk="0" hangingPunct="1">
+              <a:lnSpc>
+                <a:spcPct val="100000"/>
+              </a:lnSpc>
+              <a:spcBef>
+                <a:spcPts val="0"/>
+              </a:spcBef>
+              <a:spcAft>
+                <a:spcPts val="0"/>
+              </a:spcAft>
+              <a:buClrTx/>
+              <a:buSzTx/>
+              <a:buFontTx/>
+              <a:buNone/>
+              <a:tabLst/>
+              <a:defRPr/>
+            </a:pPr>
+            <a:fld id="{CF4668DC-857F-487D-BFFA-8C0CA5037977}" type="slidenum">
+              <a:rPr kumimoji="0" lang="fr-BE" sz="2000" b="1" i="0" u="none" strike="noStrike" kern="1200" cap="none" spc="0" normalizeH="0" baseline="0" noProof="0" smtClean="0">
+                <a:ln>
+                  <a:noFill/>
+                </a:ln>
+                <a:solidFill>
+                  <a:schemeClr val="bg1"/>
+                </a:solidFill>
+                <a:effectLst/>
+                <a:uLnTx/>
+                <a:uFillTx/>
+                <a:latin typeface="+mn-lt"/>
+                <a:ea typeface="+mn-ea"/>
+                <a:cs typeface="+mn-cs"/>
+              </a:rPr>
+              <a:pPr marL="0" marR="0" lvl="0" indent="0" algn="r" defTabSz="914400" rtl="0" eaLnBrk="1" fontAlgn="auto" latinLnBrk="0" hangingPunct="1">
+                <a:lnSpc>
+                  <a:spcPct val="100000"/>
+                </a:lnSpc>
+                <a:spcBef>
+                  <a:spcPts val="0"/>
+                </a:spcBef>
+                <a:spcAft>
+                  <a:spcPts val="0"/>
+                </a:spcAft>
+                <a:buClrTx/>
+                <a:buSzTx/>
+                <a:buFontTx/>
+                <a:buNone/>
+                <a:tabLst/>
+                <a:defRPr/>
+              </a:pPr>
+              <a:t>6</a:t>
+            </a:fld>
+            <a:endParaRPr kumimoji="0" lang="fr-BE" sz="2000" b="1" i="0" u="none" strike="noStrike" kern="1200" cap="none" spc="0" normalizeH="0" baseline="0" noProof="0" dirty="0">
+              <a:ln>
+                <a:noFill/>
+              </a:ln>
               <a:solidFill>
-                <a:srgbClr val="92D050"/>
+                <a:schemeClr val="bg1"/>
               </a:solidFill>
-              <a:latin typeface="+mj-lt"/>
-              <a:ea typeface="+mj-ea"/>
-              <a:cs typeface="+mj-cs"/>
+              <a:effectLst/>
+              <a:uLnTx/>
+              <a:uFillTx/>
+              <a:latin typeface="+mn-lt"/>
+              <a:ea typeface="+mn-ea"/>
+              <a:cs typeface="+mn-cs"/>
             </a:endParaRPr>
           </a:p>
         </p:txBody>
@@ -6276,7 +6376,11 @@
             </a:pPr>
             <a:r>
               <a:rPr lang="en-US" dirty="0" smtClean="0"/>
-              <a:t>?x </a:t>
+              <a:t>	?</a:t>
+            </a:r>
+            <a:r>
+              <a:rPr lang="en-US" dirty="0" smtClean="0"/>
+              <a:t>x </a:t>
             </a:r>
             <a:r>
               <a:rPr lang="en-US" dirty="0" err="1" smtClean="0"/>
@@ -6312,11 +6416,7 @@
             </a:r>
             <a:r>
               <a:rPr lang="en-US" b="1" dirty="0" smtClean="0"/>
-              <a:t> </a:t>
-            </a:r>
-            <a:r>
-              <a:rPr lang="en-US" b="1" dirty="0" smtClean="0"/>
-              <a:t>:</a:t>
+              <a:t> :</a:t>
             </a:r>
             <a:endParaRPr lang="en-US" dirty="0" smtClean="0"/>
           </a:p>
@@ -6377,6 +6477,43 @@
               <a:buNone/>
             </a:pPr>
             <a:endParaRPr lang="en-US" dirty="0"/>
+          </a:p>
+        </p:txBody>
+      </p:sp>
+      <p:sp>
+        <p:nvSpPr>
+          <p:cNvPr id="4" name="Espace réservé du numéro de diapositive 3"/>
+          <p:cNvSpPr>
+            <a:spLocks noGrp="1"/>
+          </p:cNvSpPr>
+          <p:nvPr>
+            <p:ph type="sldNum" sz="quarter" idx="12"/>
+          </p:nvPr>
+        </p:nvSpPr>
+        <p:spPr>
+          <a:xfrm>
+            <a:off x="8388424" y="6309320"/>
+            <a:ext cx="588336" cy="228600"/>
+          </a:xfrm>
+        </p:spPr>
+        <p:txBody>
+          <a:bodyPr/>
+          <a:lstStyle/>
+          <a:p>
+            <a:fld id="{CF4668DC-857F-487D-BFFA-8C0CA5037977}" type="slidenum">
+              <a:rPr lang="fr-BE" sz="2000" b="1" smtClean="0">
+                <a:solidFill>
+                  <a:schemeClr val="bg1"/>
+                </a:solidFill>
+              </a:rPr>
+              <a:pPr/>
+              <a:t>7</a:t>
+            </a:fld>
+            <a:endParaRPr lang="fr-BE" sz="2000" b="1" dirty="0">
+              <a:solidFill>
+                <a:schemeClr val="bg1"/>
+              </a:solidFill>
+            </a:endParaRPr>
           </a:p>
         </p:txBody>
       </p:sp>
@@ -6421,7 +6558,7 @@
           <p:nvPr/>
         </p:nvPicPr>
         <p:blipFill>
-          <a:blip r:embed="rId2"/>
+          <a:blip r:embed="rId2" cstate="print"/>
           <a:stretch>
             <a:fillRect/>
           </a:stretch>
@@ -6528,13 +6665,42 @@
               </a:rPr>
               <a:t>Architecture </a:t>
             </a:r>
-            <a:endParaRPr lang="fr-FR" sz="2400" b="1" cap="small" dirty="0" smtClean="0">
+          </a:p>
+        </p:txBody>
+      </p:sp>
+      <p:sp>
+        <p:nvSpPr>
+          <p:cNvPr id="7" name="Espace réservé du numéro de diapositive 3"/>
+          <p:cNvSpPr>
+            <a:spLocks noGrp="1"/>
+          </p:cNvSpPr>
+          <p:nvPr>
+            <p:ph type="sldNum" sz="quarter" idx="12"/>
+          </p:nvPr>
+        </p:nvSpPr>
+        <p:spPr>
+          <a:xfrm>
+            <a:off x="8388424" y="6309320"/>
+            <a:ext cx="588336" cy="228600"/>
+          </a:xfrm>
+        </p:spPr>
+        <p:txBody>
+          <a:bodyPr/>
+          <a:lstStyle/>
+          <a:p>
+            <a:fld id="{CF4668DC-857F-487D-BFFA-8C0CA5037977}" type="slidenum">
+              <a:rPr lang="fr-BE" sz="2000" b="1" smtClean="0">
+                <a:solidFill>
+                  <a:schemeClr val="bg1"/>
+                </a:solidFill>
+              </a:rPr>
+              <a:pPr/>
+              <a:t>8</a:t>
+            </a:fld>
+            <a:endParaRPr lang="fr-BE" sz="2000" b="1" dirty="0">
               <a:solidFill>
-                <a:srgbClr val="92D050"/>
+                <a:schemeClr val="bg1"/>
               </a:solidFill>
-              <a:latin typeface="+mj-lt"/>
-              <a:ea typeface="+mj-ea"/>
-              <a:cs typeface="+mj-cs"/>
             </a:endParaRPr>
           </a:p>
         </p:txBody>
@@ -6617,30 +6783,6 @@
           <a:lstStyle/>
           <a:p>
             <a:endParaRPr lang="fr-FR"/>
-          </a:p>
-        </p:txBody>
-      </p:sp>
-      <p:sp>
-        <p:nvSpPr>
-          <p:cNvPr id="3" name="Espace réservé du numéro de diapositive 3"/>
-          <p:cNvSpPr>
-            <a:spLocks noGrp="1"/>
-          </p:cNvSpPr>
-          <p:nvPr>
-            <p:ph type="sldNum" sz="quarter" idx="12"/>
-          </p:nvPr>
-        </p:nvSpPr>
-        <p:spPr/>
-        <p:txBody>
-          <a:bodyPr/>
-          <a:lstStyle/>
-          <a:p>
-            <a:fld id="{CF4668DC-857F-487D-BFFA-8C0CA5037977}" type="slidenum">
-              <a:rPr lang="fr-BE" smtClean="0"/>
-              <a:pPr/>
-              <a:t>9</a:t>
-            </a:fld>
-            <a:endParaRPr lang="fr-BE"/>
           </a:p>
         </p:txBody>
       </p:sp>
